--- a/Slides.pptx
+++ b/Slides.pptx
@@ -5,15 +5,13 @@
     <p:sldMasterId id="2147483684" r:id="rId1"/>
   </p:sldMasterIdLst>
   <p:sldIdLst>
-    <p:sldId id="262" r:id="rId2"/>
-    <p:sldId id="266" r:id="rId3"/>
-    <p:sldId id="272" r:id="rId4"/>
-    <p:sldId id="273" r:id="rId5"/>
-    <p:sldId id="274" r:id="rId6"/>
-    <p:sldId id="267" r:id="rId7"/>
-    <p:sldId id="263" r:id="rId8"/>
-    <p:sldId id="264" r:id="rId9"/>
-    <p:sldId id="261" r:id="rId10"/>
+    <p:sldId id="266" r:id="rId2"/>
+    <p:sldId id="272" r:id="rId3"/>
+    <p:sldId id="273" r:id="rId4"/>
+    <p:sldId id="274" r:id="rId5"/>
+    <p:sldId id="275" r:id="rId6"/>
+    <p:sldId id="276" r:id="rId7"/>
+    <p:sldId id="277" r:id="rId8"/>
   </p:sldIdLst>
   <p:sldSz cx="12192000" cy="6858000"/>
   <p:notesSz cx="6858000" cy="9144000"/>
@@ -251,7 +249,7 @@
           <a:p>
             <a:fld id="{F1AB8604-8948-49C9-BD61-C395EA7F8A1C}" type="datetimeFigureOut">
               <a:rPr lang="en-GB" smtClean="0"/>
-              <a:t>16/11/2018</a:t>
+              <a:t>23/11/2018</a:t>
             </a:fld>
             <a:endParaRPr lang="en-GB"/>
           </a:p>
@@ -421,7 +419,7 @@
           <a:p>
             <a:fld id="{F1AB8604-8948-49C9-BD61-C395EA7F8A1C}" type="datetimeFigureOut">
               <a:rPr lang="en-GB" smtClean="0"/>
-              <a:t>16/11/2018</a:t>
+              <a:t>23/11/2018</a:t>
             </a:fld>
             <a:endParaRPr lang="en-GB"/>
           </a:p>
@@ -601,7 +599,7 @@
           <a:p>
             <a:fld id="{F1AB8604-8948-49C9-BD61-C395EA7F8A1C}" type="datetimeFigureOut">
               <a:rPr lang="en-GB" smtClean="0"/>
-              <a:t>16/11/2018</a:t>
+              <a:t>23/11/2018</a:t>
             </a:fld>
             <a:endParaRPr lang="en-GB"/>
           </a:p>
@@ -771,7 +769,7 @@
           <a:p>
             <a:fld id="{F1AB8604-8948-49C9-BD61-C395EA7F8A1C}" type="datetimeFigureOut">
               <a:rPr lang="en-GB" smtClean="0"/>
-              <a:t>16/11/2018</a:t>
+              <a:t>23/11/2018</a:t>
             </a:fld>
             <a:endParaRPr lang="en-GB"/>
           </a:p>
@@ -1017,7 +1015,7 @@
           <a:p>
             <a:fld id="{F1AB8604-8948-49C9-BD61-C395EA7F8A1C}" type="datetimeFigureOut">
               <a:rPr lang="en-GB" smtClean="0"/>
-              <a:t>16/11/2018</a:t>
+              <a:t>23/11/2018</a:t>
             </a:fld>
             <a:endParaRPr lang="en-GB"/>
           </a:p>
@@ -1249,7 +1247,7 @@
           <a:p>
             <a:fld id="{F1AB8604-8948-49C9-BD61-C395EA7F8A1C}" type="datetimeFigureOut">
               <a:rPr lang="en-GB" smtClean="0"/>
-              <a:t>16/11/2018</a:t>
+              <a:t>23/11/2018</a:t>
             </a:fld>
             <a:endParaRPr lang="en-GB"/>
           </a:p>
@@ -1616,7 +1614,7 @@
           <a:p>
             <a:fld id="{F1AB8604-8948-49C9-BD61-C395EA7F8A1C}" type="datetimeFigureOut">
               <a:rPr lang="en-GB" smtClean="0"/>
-              <a:t>16/11/2018</a:t>
+              <a:t>23/11/2018</a:t>
             </a:fld>
             <a:endParaRPr lang="en-GB"/>
           </a:p>
@@ -1734,7 +1732,7 @@
           <a:p>
             <a:fld id="{F1AB8604-8948-49C9-BD61-C395EA7F8A1C}" type="datetimeFigureOut">
               <a:rPr lang="en-GB" smtClean="0"/>
-              <a:t>16/11/2018</a:t>
+              <a:t>23/11/2018</a:t>
             </a:fld>
             <a:endParaRPr lang="en-GB"/>
           </a:p>
@@ -1829,7 +1827,7 @@
           <a:p>
             <a:fld id="{F1AB8604-8948-49C9-BD61-C395EA7F8A1C}" type="datetimeFigureOut">
               <a:rPr lang="en-GB" smtClean="0"/>
-              <a:t>16/11/2018</a:t>
+              <a:t>23/11/2018</a:t>
             </a:fld>
             <a:endParaRPr lang="en-GB"/>
           </a:p>
@@ -2106,7 +2104,7 @@
           <a:p>
             <a:fld id="{F1AB8604-8948-49C9-BD61-C395EA7F8A1C}" type="datetimeFigureOut">
               <a:rPr lang="en-GB" smtClean="0"/>
-              <a:t>16/11/2018</a:t>
+              <a:t>23/11/2018</a:t>
             </a:fld>
             <a:endParaRPr lang="en-GB"/>
           </a:p>
@@ -2363,7 +2361,7 @@
           <a:p>
             <a:fld id="{F1AB8604-8948-49C9-BD61-C395EA7F8A1C}" type="datetimeFigureOut">
               <a:rPr lang="en-GB" smtClean="0"/>
-              <a:t>16/11/2018</a:t>
+              <a:t>23/11/2018</a:t>
             </a:fld>
             <a:endParaRPr lang="en-GB"/>
           </a:p>
@@ -2576,7 +2574,7 @@
           <a:p>
             <a:fld id="{F1AB8604-8948-49C9-BD61-C395EA7F8A1C}" type="datetimeFigureOut">
               <a:rPr lang="en-GB" smtClean="0"/>
-              <a:t>16/11/2018</a:t>
+              <a:t>23/11/2018</a:t>
             </a:fld>
             <a:endParaRPr lang="en-GB"/>
           </a:p>
@@ -3007,83 +3005,1009 @@
             <a:pPr algn="ctr"/>
             <a:r>
               <a:rPr lang="fr-BE" sz="6000" dirty="0"/>
-              <a:t>Contexte - Migration</a:t>
-            </a:r>
-          </a:p>
-        </p:txBody>
-      </p:sp>
-      <p:sp>
-        <p:nvSpPr>
-          <p:cNvPr id="3" name="Content Placeholder 2">
-            <a:extLst>
-              <a:ext uri="{FF2B5EF4-FFF2-40B4-BE49-F238E27FC236}">
-                <a16:creationId xmlns:a16="http://schemas.microsoft.com/office/drawing/2014/main" id="{F3A1AD45-9D78-4F4D-901D-64409E61B41A}"/>
-              </a:ext>
-            </a:extLst>
-          </p:cNvPr>
-          <p:cNvSpPr>
-            <a:spLocks noGrp="1"/>
-          </p:cNvSpPr>
-          <p:nvPr>
-            <p:ph idx="1"/>
-          </p:nvPr>
-        </p:nvSpPr>
-        <p:spPr/>
-        <p:txBody>
-          <a:bodyPr>
-            <a:normAutofit/>
-          </a:bodyPr>
-          <a:lstStyle/>
-          <a:p>
-            <a:r>
-              <a:rPr lang="fr-BE" sz="4400" dirty="0"/>
-              <a:t>Migration de la plateforme en .NET</a:t>
-            </a:r>
-          </a:p>
-          <a:p>
-            <a:pPr lvl="1"/>
-            <a:r>
-              <a:rPr lang="fr-BE" sz="4000" dirty="0"/>
-              <a:t>Trop ambitieux</a:t>
-            </a:r>
-          </a:p>
-          <a:p>
-            <a:r>
-              <a:rPr lang="fr-BE" sz="4400" dirty="0"/>
-              <a:t>Migration progressive</a:t>
-            </a:r>
-          </a:p>
-          <a:p>
-            <a:pPr lvl="1"/>
-            <a:r>
-              <a:rPr lang="fr-BE" sz="4000" dirty="0"/>
-              <a:t>Plus réaliste</a:t>
-            </a:r>
-          </a:p>
-          <a:p>
-            <a:pPr lvl="1"/>
-            <a:r>
-              <a:rPr lang="fr-BE" sz="4000" dirty="0"/>
-              <a:t>Interaction avec l’ancienne plateforme</a:t>
-            </a:r>
-          </a:p>
-          <a:p>
-            <a:pPr lvl="1"/>
-            <a:r>
-              <a:rPr lang="fr-BE" sz="4000" dirty="0"/>
-              <a:t>Choix de modules pilotes à migrer</a:t>
-            </a:r>
-          </a:p>
-          <a:p>
-            <a:pPr lvl="1"/>
-            <a:endParaRPr lang="fr-BE" sz="3200" dirty="0"/>
-          </a:p>
-        </p:txBody>
-      </p:sp>
+              <a:t>La migration: point de départ</a:t>
+            </a:r>
+          </a:p>
+        </p:txBody>
+      </p:sp>
+      <p:sp>
+        <p:nvSpPr>
+          <p:cNvPr id="6" name="Rectangle: Rounded Corners 5">
+            <a:extLst>
+              <a:ext uri="{FF2B5EF4-FFF2-40B4-BE49-F238E27FC236}">
+                <a16:creationId xmlns:a16="http://schemas.microsoft.com/office/drawing/2014/main" id="{B9317F49-49D1-4A62-B978-05479CF7FC24}"/>
+              </a:ext>
+            </a:extLst>
+          </p:cNvPr>
+          <p:cNvSpPr/>
+          <p:nvPr/>
+        </p:nvSpPr>
+        <p:spPr>
+          <a:xfrm>
+            <a:off x="1560946" y="1690687"/>
+            <a:ext cx="6742545" cy="4312949"/>
+          </a:xfrm>
+          <a:prstGeom prst="roundRect">
+            <a:avLst/>
+          </a:prstGeom>
+        </p:spPr>
+        <p:style>
+          <a:lnRef idx="3">
+            <a:schemeClr val="lt1"/>
+          </a:lnRef>
+          <a:fillRef idx="1">
+            <a:schemeClr val="accent1"/>
+          </a:fillRef>
+          <a:effectRef idx="1">
+            <a:schemeClr val="accent1"/>
+          </a:effectRef>
+          <a:fontRef idx="minor">
+            <a:schemeClr val="lt1"/>
+          </a:fontRef>
+        </p:style>
+        <p:txBody>
+          <a:bodyPr rtlCol="0" anchor="t" anchorCtr="0"/>
+          <a:lstStyle/>
+          <a:p>
+            <a:pPr algn="ctr"/>
+            <a:r>
+              <a:rPr lang="en-GB" sz="3200" dirty="0"/>
+              <a:t>ASP</a:t>
+            </a:r>
+          </a:p>
+        </p:txBody>
+      </p:sp>
+      <p:sp>
+        <p:nvSpPr>
+          <p:cNvPr id="4" name="Rectangle: Rounded Corners 3">
+            <a:extLst>
+              <a:ext uri="{FF2B5EF4-FFF2-40B4-BE49-F238E27FC236}">
+                <a16:creationId xmlns:a16="http://schemas.microsoft.com/office/drawing/2014/main" id="{C4A1BCCC-45C8-4BB7-8E7C-2E2E1E3B9C91}"/>
+              </a:ext>
+            </a:extLst>
+          </p:cNvPr>
+          <p:cNvSpPr/>
+          <p:nvPr/>
+        </p:nvSpPr>
+        <p:spPr>
+          <a:xfrm>
+            <a:off x="1560946" y="6160757"/>
+            <a:ext cx="3556001" cy="431064"/>
+          </a:xfrm>
+          <a:prstGeom prst="roundRect">
+            <a:avLst/>
+          </a:prstGeom>
+        </p:spPr>
+        <p:style>
+          <a:lnRef idx="3">
+            <a:schemeClr val="lt1"/>
+          </a:lnRef>
+          <a:fillRef idx="1">
+            <a:schemeClr val="accent2"/>
+          </a:fillRef>
+          <a:effectRef idx="1">
+            <a:schemeClr val="accent2"/>
+          </a:effectRef>
+          <a:fontRef idx="minor">
+            <a:schemeClr val="lt1"/>
+          </a:fontRef>
+        </p:style>
+        <p:txBody>
+          <a:bodyPr rtlCol="0" anchor="ctr"/>
+          <a:lstStyle/>
+          <a:p>
+            <a:pPr algn="ctr"/>
+            <a:r>
+              <a:rPr lang="en-GB" dirty="0"/>
+              <a:t>Code de detection de la </a:t>
+            </a:r>
+            <a:r>
+              <a:rPr lang="en-GB" dirty="0" err="1"/>
+              <a:t>fraude</a:t>
+            </a:r>
+            <a:endParaRPr lang="en-GB" dirty="0"/>
+          </a:p>
+        </p:txBody>
+      </p:sp>
+      <p:sp>
+        <p:nvSpPr>
+          <p:cNvPr id="8" name="Rectangle: Rounded Corners 7">
+            <a:extLst>
+              <a:ext uri="{FF2B5EF4-FFF2-40B4-BE49-F238E27FC236}">
+                <a16:creationId xmlns:a16="http://schemas.microsoft.com/office/drawing/2014/main" id="{2BD23B39-CCEB-4515-BEA4-3653EB64FBFB}"/>
+              </a:ext>
+            </a:extLst>
+          </p:cNvPr>
+          <p:cNvSpPr/>
+          <p:nvPr/>
+        </p:nvSpPr>
+        <p:spPr>
+          <a:xfrm>
+            <a:off x="5430983" y="6159308"/>
+            <a:ext cx="2872508" cy="432512"/>
+          </a:xfrm>
+          <a:prstGeom prst="roundRect">
+            <a:avLst/>
+          </a:prstGeom>
+        </p:spPr>
+        <p:style>
+          <a:lnRef idx="3">
+            <a:schemeClr val="lt1"/>
+          </a:lnRef>
+          <a:fillRef idx="1">
+            <a:schemeClr val="accent3"/>
+          </a:fillRef>
+          <a:effectRef idx="1">
+            <a:schemeClr val="accent3"/>
+          </a:effectRef>
+          <a:fontRef idx="minor">
+            <a:schemeClr val="lt1"/>
+          </a:fontRef>
+        </p:style>
+        <p:txBody>
+          <a:bodyPr rtlCol="0" anchor="ctr"/>
+          <a:lstStyle/>
+          <a:p>
+            <a:pPr algn="ctr"/>
+            <a:r>
+              <a:rPr lang="en-GB" dirty="0" err="1"/>
+              <a:t>Autre</a:t>
+            </a:r>
+            <a:r>
+              <a:rPr lang="en-GB" dirty="0"/>
+              <a:t> code</a:t>
+            </a:r>
+          </a:p>
+        </p:txBody>
+      </p:sp>
+      <p:sp>
+        <p:nvSpPr>
+          <p:cNvPr id="5" name="Rectangle: Rounded Corners 4">
+            <a:extLst>
+              <a:ext uri="{FF2B5EF4-FFF2-40B4-BE49-F238E27FC236}">
+                <a16:creationId xmlns:a16="http://schemas.microsoft.com/office/drawing/2014/main" id="{20783059-6162-405F-8413-96C91793992D}"/>
+              </a:ext>
+            </a:extLst>
+          </p:cNvPr>
+          <p:cNvSpPr/>
+          <p:nvPr/>
+        </p:nvSpPr>
+        <p:spPr>
+          <a:xfrm>
+            <a:off x="2041238" y="2558473"/>
+            <a:ext cx="1311564" cy="378691"/>
+          </a:xfrm>
+          <a:prstGeom prst="roundRect">
+            <a:avLst/>
+          </a:prstGeom>
+        </p:spPr>
+        <p:style>
+          <a:lnRef idx="3">
+            <a:schemeClr val="lt1"/>
+          </a:lnRef>
+          <a:fillRef idx="1">
+            <a:schemeClr val="accent3"/>
+          </a:fillRef>
+          <a:effectRef idx="1">
+            <a:schemeClr val="accent3"/>
+          </a:effectRef>
+          <a:fontRef idx="minor">
+            <a:schemeClr val="lt1"/>
+          </a:fontRef>
+        </p:style>
+        <p:txBody>
+          <a:bodyPr rtlCol="0" anchor="ctr"/>
+          <a:lstStyle/>
+          <a:p>
+            <a:pPr algn="ctr"/>
+            <a:endParaRPr lang="en-GB"/>
+          </a:p>
+        </p:txBody>
+      </p:sp>
+      <p:sp>
+        <p:nvSpPr>
+          <p:cNvPr id="10" name="Rectangle: Rounded Corners 9">
+            <a:extLst>
+              <a:ext uri="{FF2B5EF4-FFF2-40B4-BE49-F238E27FC236}">
+                <a16:creationId xmlns:a16="http://schemas.microsoft.com/office/drawing/2014/main" id="{88B95016-84F7-41AD-B1AB-DB12448920A4}"/>
+              </a:ext>
+            </a:extLst>
+          </p:cNvPr>
+          <p:cNvSpPr/>
+          <p:nvPr/>
+        </p:nvSpPr>
+        <p:spPr>
+          <a:xfrm>
+            <a:off x="3218880" y="3422824"/>
+            <a:ext cx="1311564" cy="378691"/>
+          </a:xfrm>
+          <a:prstGeom prst="roundRect">
+            <a:avLst/>
+          </a:prstGeom>
+        </p:spPr>
+        <p:style>
+          <a:lnRef idx="3">
+            <a:schemeClr val="lt1"/>
+          </a:lnRef>
+          <a:fillRef idx="1">
+            <a:schemeClr val="accent2"/>
+          </a:fillRef>
+          <a:effectRef idx="1">
+            <a:schemeClr val="accent2"/>
+          </a:effectRef>
+          <a:fontRef idx="minor">
+            <a:schemeClr val="lt1"/>
+          </a:fontRef>
+        </p:style>
+        <p:txBody>
+          <a:bodyPr rtlCol="0" anchor="ctr"/>
+          <a:lstStyle/>
+          <a:p>
+            <a:pPr algn="ctr"/>
+            <a:endParaRPr lang="en-GB"/>
+          </a:p>
+        </p:txBody>
+      </p:sp>
+      <p:cxnSp>
+        <p:nvCxnSpPr>
+          <p:cNvPr id="12" name="Connector: Curved 11">
+            <a:extLst>
+              <a:ext uri="{FF2B5EF4-FFF2-40B4-BE49-F238E27FC236}">
+                <a16:creationId xmlns:a16="http://schemas.microsoft.com/office/drawing/2014/main" id="{3D658DF2-8BC4-4FC5-A155-1C61FF4B1457}"/>
+              </a:ext>
+            </a:extLst>
+          </p:cNvPr>
+          <p:cNvCxnSpPr>
+            <a:cxnSpLocks/>
+            <a:stCxn id="95" idx="1"/>
+            <a:endCxn id="20" idx="3"/>
+          </p:cNvCxnSpPr>
+          <p:nvPr/>
+        </p:nvCxnSpPr>
+        <p:spPr>
+          <a:xfrm rot="10800000">
+            <a:off x="4932219" y="5392611"/>
+            <a:ext cx="1044581" cy="189345"/>
+          </a:xfrm>
+          <a:prstGeom prst="curvedConnector3">
+            <a:avLst/>
+          </a:prstGeom>
+          <a:ln w="28575">
+            <a:headEnd type="none" w="med" len="med"/>
+            <a:tailEnd type="arrow" w="med" len="med"/>
+          </a:ln>
+        </p:spPr>
+        <p:style>
+          <a:lnRef idx="3">
+            <a:schemeClr val="dk1"/>
+          </a:lnRef>
+          <a:fillRef idx="0">
+            <a:schemeClr val="dk1"/>
+          </a:fillRef>
+          <a:effectRef idx="2">
+            <a:schemeClr val="dk1"/>
+          </a:effectRef>
+          <a:fontRef idx="minor">
+            <a:schemeClr val="tx1"/>
+          </a:fontRef>
+        </p:style>
+      </p:cxnSp>
+      <p:sp>
+        <p:nvSpPr>
+          <p:cNvPr id="15" name="Rectangle: Rounded Corners 14">
+            <a:extLst>
+              <a:ext uri="{FF2B5EF4-FFF2-40B4-BE49-F238E27FC236}">
+                <a16:creationId xmlns:a16="http://schemas.microsoft.com/office/drawing/2014/main" id="{A9AFD420-0AA9-4750-9FEB-965CE120732A}"/>
+              </a:ext>
+            </a:extLst>
+          </p:cNvPr>
+          <p:cNvSpPr/>
+          <p:nvPr/>
+        </p:nvSpPr>
+        <p:spPr>
+          <a:xfrm>
+            <a:off x="4618191" y="2727253"/>
+            <a:ext cx="1311564" cy="378691"/>
+          </a:xfrm>
+          <a:prstGeom prst="roundRect">
+            <a:avLst/>
+          </a:prstGeom>
+        </p:spPr>
+        <p:style>
+          <a:lnRef idx="3">
+            <a:schemeClr val="lt1"/>
+          </a:lnRef>
+          <a:fillRef idx="1">
+            <a:schemeClr val="accent3"/>
+          </a:fillRef>
+          <a:effectRef idx="1">
+            <a:schemeClr val="accent3"/>
+          </a:effectRef>
+          <a:fontRef idx="minor">
+            <a:schemeClr val="lt1"/>
+          </a:fontRef>
+        </p:style>
+        <p:txBody>
+          <a:bodyPr rtlCol="0" anchor="ctr"/>
+          <a:lstStyle/>
+          <a:p>
+            <a:pPr algn="ctr"/>
+            <a:endParaRPr lang="en-GB"/>
+          </a:p>
+        </p:txBody>
+      </p:sp>
+      <p:sp>
+        <p:nvSpPr>
+          <p:cNvPr id="16" name="Rectangle: Rounded Corners 15">
+            <a:extLst>
+              <a:ext uri="{FF2B5EF4-FFF2-40B4-BE49-F238E27FC236}">
+                <a16:creationId xmlns:a16="http://schemas.microsoft.com/office/drawing/2014/main" id="{82658267-AE42-4274-B115-33388DEF58BF}"/>
+              </a:ext>
+            </a:extLst>
+          </p:cNvPr>
+          <p:cNvSpPr/>
+          <p:nvPr/>
+        </p:nvSpPr>
+        <p:spPr>
+          <a:xfrm>
+            <a:off x="6467186" y="3997143"/>
+            <a:ext cx="1311564" cy="378691"/>
+          </a:xfrm>
+          <a:prstGeom prst="roundRect">
+            <a:avLst/>
+          </a:prstGeom>
+        </p:spPr>
+        <p:style>
+          <a:lnRef idx="3">
+            <a:schemeClr val="lt1"/>
+          </a:lnRef>
+          <a:fillRef idx="1">
+            <a:schemeClr val="accent3"/>
+          </a:fillRef>
+          <a:effectRef idx="1">
+            <a:schemeClr val="accent3"/>
+          </a:effectRef>
+          <a:fontRef idx="minor">
+            <a:schemeClr val="lt1"/>
+          </a:fontRef>
+        </p:style>
+        <p:txBody>
+          <a:bodyPr rtlCol="0" anchor="ctr"/>
+          <a:lstStyle/>
+          <a:p>
+            <a:pPr algn="ctr"/>
+            <a:endParaRPr lang="en-GB"/>
+          </a:p>
+        </p:txBody>
+      </p:sp>
+      <p:sp>
+        <p:nvSpPr>
+          <p:cNvPr id="18" name="Rectangle: Rounded Corners 17">
+            <a:extLst>
+              <a:ext uri="{FF2B5EF4-FFF2-40B4-BE49-F238E27FC236}">
+                <a16:creationId xmlns:a16="http://schemas.microsoft.com/office/drawing/2014/main" id="{B0D73E2F-750C-4B5D-98FB-58669CEC54A7}"/>
+              </a:ext>
+            </a:extLst>
+          </p:cNvPr>
+          <p:cNvSpPr/>
+          <p:nvPr/>
+        </p:nvSpPr>
+        <p:spPr>
+          <a:xfrm>
+            <a:off x="2397993" y="4209688"/>
+            <a:ext cx="1311564" cy="378691"/>
+          </a:xfrm>
+          <a:prstGeom prst="roundRect">
+            <a:avLst/>
+          </a:prstGeom>
+        </p:spPr>
+        <p:style>
+          <a:lnRef idx="3">
+            <a:schemeClr val="lt1"/>
+          </a:lnRef>
+          <a:fillRef idx="1">
+            <a:schemeClr val="accent3"/>
+          </a:fillRef>
+          <a:effectRef idx="1">
+            <a:schemeClr val="accent3"/>
+          </a:effectRef>
+          <a:fontRef idx="minor">
+            <a:schemeClr val="lt1"/>
+          </a:fontRef>
+        </p:style>
+        <p:txBody>
+          <a:bodyPr rtlCol="0" anchor="ctr"/>
+          <a:lstStyle/>
+          <a:p>
+            <a:pPr algn="ctr"/>
+            <a:endParaRPr lang="en-GB"/>
+          </a:p>
+        </p:txBody>
+      </p:sp>
+      <p:sp>
+        <p:nvSpPr>
+          <p:cNvPr id="19" name="Rectangle: Rounded Corners 18">
+            <a:extLst>
+              <a:ext uri="{FF2B5EF4-FFF2-40B4-BE49-F238E27FC236}">
+                <a16:creationId xmlns:a16="http://schemas.microsoft.com/office/drawing/2014/main" id="{F6A414A1-E684-43AD-99AD-BAA98C6EC4B2}"/>
+              </a:ext>
+            </a:extLst>
+          </p:cNvPr>
+          <p:cNvSpPr/>
+          <p:nvPr/>
+        </p:nvSpPr>
+        <p:spPr>
+          <a:xfrm>
+            <a:off x="6797976" y="2980366"/>
+            <a:ext cx="1311564" cy="378691"/>
+          </a:xfrm>
+          <a:prstGeom prst="roundRect">
+            <a:avLst/>
+          </a:prstGeom>
+        </p:spPr>
+        <p:style>
+          <a:lnRef idx="3">
+            <a:schemeClr val="lt1"/>
+          </a:lnRef>
+          <a:fillRef idx="1">
+            <a:schemeClr val="accent2"/>
+          </a:fillRef>
+          <a:effectRef idx="1">
+            <a:schemeClr val="accent2"/>
+          </a:effectRef>
+          <a:fontRef idx="minor">
+            <a:schemeClr val="lt1"/>
+          </a:fontRef>
+        </p:style>
+        <p:txBody>
+          <a:bodyPr rtlCol="0" anchor="ctr"/>
+          <a:lstStyle/>
+          <a:p>
+            <a:pPr algn="ctr"/>
+            <a:endParaRPr lang="en-GB"/>
+          </a:p>
+        </p:txBody>
+      </p:sp>
+      <p:sp>
+        <p:nvSpPr>
+          <p:cNvPr id="20" name="Rectangle: Rounded Corners 19">
+            <a:extLst>
+              <a:ext uri="{FF2B5EF4-FFF2-40B4-BE49-F238E27FC236}">
+                <a16:creationId xmlns:a16="http://schemas.microsoft.com/office/drawing/2014/main" id="{12A31F60-2204-406A-94BF-6D1E38BE235D}"/>
+              </a:ext>
+            </a:extLst>
+          </p:cNvPr>
+          <p:cNvSpPr/>
+          <p:nvPr/>
+        </p:nvSpPr>
+        <p:spPr>
+          <a:xfrm>
+            <a:off x="3620654" y="5203264"/>
+            <a:ext cx="1311564" cy="378691"/>
+          </a:xfrm>
+          <a:prstGeom prst="roundRect">
+            <a:avLst/>
+          </a:prstGeom>
+        </p:spPr>
+        <p:style>
+          <a:lnRef idx="3">
+            <a:schemeClr val="lt1"/>
+          </a:lnRef>
+          <a:fillRef idx="1">
+            <a:schemeClr val="accent2"/>
+          </a:fillRef>
+          <a:effectRef idx="1">
+            <a:schemeClr val="accent2"/>
+          </a:effectRef>
+          <a:fontRef idx="minor">
+            <a:schemeClr val="lt1"/>
+          </a:fontRef>
+        </p:style>
+        <p:txBody>
+          <a:bodyPr rtlCol="0" anchor="ctr"/>
+          <a:lstStyle/>
+          <a:p>
+            <a:pPr algn="ctr"/>
+            <a:endParaRPr lang="en-GB"/>
+          </a:p>
+        </p:txBody>
+      </p:sp>
+      <p:cxnSp>
+        <p:nvCxnSpPr>
+          <p:cNvPr id="23" name="Connector: Curved 22">
+            <a:extLst>
+              <a:ext uri="{FF2B5EF4-FFF2-40B4-BE49-F238E27FC236}">
+                <a16:creationId xmlns:a16="http://schemas.microsoft.com/office/drawing/2014/main" id="{FD93D509-8DF8-4E49-A44E-4C0DC28EA2B3}"/>
+              </a:ext>
+            </a:extLst>
+          </p:cNvPr>
+          <p:cNvCxnSpPr>
+            <a:cxnSpLocks/>
+            <a:stCxn id="10" idx="0"/>
+            <a:endCxn id="15" idx="1"/>
+          </p:cNvCxnSpPr>
+          <p:nvPr/>
+        </p:nvCxnSpPr>
+        <p:spPr>
+          <a:xfrm rot="5400000" flipH="1" flipV="1">
+            <a:off x="3993314" y="2797948"/>
+            <a:ext cx="506225" cy="743529"/>
+          </a:xfrm>
+          <a:prstGeom prst="curvedConnector2">
+            <a:avLst/>
+          </a:prstGeom>
+          <a:ln w="28575">
+            <a:headEnd type="none" w="med" len="med"/>
+            <a:tailEnd type="arrow" w="med" len="med"/>
+          </a:ln>
+        </p:spPr>
+        <p:style>
+          <a:lnRef idx="3">
+            <a:schemeClr val="dk1"/>
+          </a:lnRef>
+          <a:fillRef idx="0">
+            <a:schemeClr val="dk1"/>
+          </a:fillRef>
+          <a:effectRef idx="2">
+            <a:schemeClr val="dk1"/>
+          </a:effectRef>
+          <a:fontRef idx="minor">
+            <a:schemeClr val="tx1"/>
+          </a:fontRef>
+        </p:style>
+      </p:cxnSp>
+      <p:cxnSp>
+        <p:nvCxnSpPr>
+          <p:cNvPr id="26" name="Connector: Curved 25">
+            <a:extLst>
+              <a:ext uri="{FF2B5EF4-FFF2-40B4-BE49-F238E27FC236}">
+                <a16:creationId xmlns:a16="http://schemas.microsoft.com/office/drawing/2014/main" id="{3A7DB30C-C298-4B79-8BCB-84CC81063415}"/>
+              </a:ext>
+            </a:extLst>
+          </p:cNvPr>
+          <p:cNvCxnSpPr>
+            <a:cxnSpLocks/>
+            <a:stCxn id="15" idx="3"/>
+            <a:endCxn id="19" idx="1"/>
+          </p:cNvCxnSpPr>
+          <p:nvPr/>
+        </p:nvCxnSpPr>
+        <p:spPr>
+          <a:xfrm>
+            <a:off x="5929755" y="2916599"/>
+            <a:ext cx="868221" cy="253113"/>
+          </a:xfrm>
+          <a:prstGeom prst="curvedConnector3">
+            <a:avLst>
+              <a:gd name="adj1" fmla="val 50000"/>
+            </a:avLst>
+          </a:prstGeom>
+          <a:ln w="28575">
+            <a:headEnd type="none" w="med" len="med"/>
+            <a:tailEnd type="arrow" w="med" len="med"/>
+          </a:ln>
+        </p:spPr>
+        <p:style>
+          <a:lnRef idx="3">
+            <a:schemeClr val="dk1"/>
+          </a:lnRef>
+          <a:fillRef idx="0">
+            <a:schemeClr val="dk1"/>
+          </a:fillRef>
+          <a:effectRef idx="2">
+            <a:schemeClr val="dk1"/>
+          </a:effectRef>
+          <a:fontRef idx="minor">
+            <a:schemeClr val="tx1"/>
+          </a:fontRef>
+        </p:style>
+      </p:cxnSp>
+      <p:cxnSp>
+        <p:nvCxnSpPr>
+          <p:cNvPr id="29" name="Connector: Curved 28">
+            <a:extLst>
+              <a:ext uri="{FF2B5EF4-FFF2-40B4-BE49-F238E27FC236}">
+                <a16:creationId xmlns:a16="http://schemas.microsoft.com/office/drawing/2014/main" id="{759638E4-88C4-4F3C-98C5-C47D1A7EC67F}"/>
+              </a:ext>
+            </a:extLst>
+          </p:cNvPr>
+          <p:cNvCxnSpPr>
+            <a:cxnSpLocks/>
+            <a:stCxn id="19" idx="2"/>
+            <a:endCxn id="16" idx="0"/>
+          </p:cNvCxnSpPr>
+          <p:nvPr/>
+        </p:nvCxnSpPr>
+        <p:spPr>
+          <a:xfrm rot="5400000">
+            <a:off x="6969320" y="3512705"/>
+            <a:ext cx="638086" cy="330790"/>
+          </a:xfrm>
+          <a:prstGeom prst="curvedConnector3">
+            <a:avLst>
+              <a:gd name="adj1" fmla="val 50000"/>
+            </a:avLst>
+          </a:prstGeom>
+          <a:ln w="28575">
+            <a:headEnd type="none" w="med" len="med"/>
+            <a:tailEnd type="arrow" w="med" len="med"/>
+          </a:ln>
+        </p:spPr>
+        <p:style>
+          <a:lnRef idx="3">
+            <a:schemeClr val="dk1"/>
+          </a:lnRef>
+          <a:fillRef idx="0">
+            <a:schemeClr val="dk1"/>
+          </a:fillRef>
+          <a:effectRef idx="2">
+            <a:schemeClr val="dk1"/>
+          </a:effectRef>
+          <a:fontRef idx="minor">
+            <a:schemeClr val="tx1"/>
+          </a:fontRef>
+        </p:style>
+      </p:cxnSp>
+      <p:cxnSp>
+        <p:nvCxnSpPr>
+          <p:cNvPr id="33" name="Connector: Curved 32">
+            <a:extLst>
+              <a:ext uri="{FF2B5EF4-FFF2-40B4-BE49-F238E27FC236}">
+                <a16:creationId xmlns:a16="http://schemas.microsoft.com/office/drawing/2014/main" id="{0AFF80CB-534F-423B-ADC1-A9EC0495DA21}"/>
+              </a:ext>
+            </a:extLst>
+          </p:cNvPr>
+          <p:cNvCxnSpPr>
+            <a:cxnSpLocks/>
+            <a:stCxn id="5" idx="2"/>
+            <a:endCxn id="10" idx="1"/>
+          </p:cNvCxnSpPr>
+          <p:nvPr/>
+        </p:nvCxnSpPr>
+        <p:spPr>
+          <a:xfrm rot="16200000" flipH="1">
+            <a:off x="2620447" y="3013737"/>
+            <a:ext cx="675006" cy="521860"/>
+          </a:xfrm>
+          <a:prstGeom prst="curvedConnector2">
+            <a:avLst/>
+          </a:prstGeom>
+          <a:ln w="28575">
+            <a:headEnd type="none" w="med" len="med"/>
+            <a:tailEnd type="arrow" w="med" len="med"/>
+          </a:ln>
+        </p:spPr>
+        <p:style>
+          <a:lnRef idx="3">
+            <a:schemeClr val="dk1"/>
+          </a:lnRef>
+          <a:fillRef idx="0">
+            <a:schemeClr val="dk1"/>
+          </a:fillRef>
+          <a:effectRef idx="2">
+            <a:schemeClr val="dk1"/>
+          </a:effectRef>
+          <a:fontRef idx="minor">
+            <a:schemeClr val="tx1"/>
+          </a:fontRef>
+        </p:style>
+      </p:cxnSp>
+      <p:cxnSp>
+        <p:nvCxnSpPr>
+          <p:cNvPr id="36" name="Connector: Curved 35">
+            <a:extLst>
+              <a:ext uri="{FF2B5EF4-FFF2-40B4-BE49-F238E27FC236}">
+                <a16:creationId xmlns:a16="http://schemas.microsoft.com/office/drawing/2014/main" id="{9717255C-348B-4575-91EB-82FA514B8CCA}"/>
+              </a:ext>
+            </a:extLst>
+          </p:cNvPr>
+          <p:cNvCxnSpPr>
+            <a:cxnSpLocks/>
+            <a:stCxn id="20" idx="1"/>
+            <a:endCxn id="18" idx="2"/>
+          </p:cNvCxnSpPr>
+          <p:nvPr/>
+        </p:nvCxnSpPr>
+        <p:spPr>
+          <a:xfrm rot="10800000">
+            <a:off x="3053776" y="4588380"/>
+            <a:ext cx="566879" cy="804231"/>
+          </a:xfrm>
+          <a:prstGeom prst="curvedConnector2">
+            <a:avLst/>
+          </a:prstGeom>
+          <a:ln w="28575">
+            <a:headEnd type="none" w="med" len="med"/>
+            <a:tailEnd type="arrow" w="med" len="med"/>
+          </a:ln>
+        </p:spPr>
+        <p:style>
+          <a:lnRef idx="3">
+            <a:schemeClr val="dk1"/>
+          </a:lnRef>
+          <a:fillRef idx="0">
+            <a:schemeClr val="dk1"/>
+          </a:fillRef>
+          <a:effectRef idx="2">
+            <a:schemeClr val="dk1"/>
+          </a:effectRef>
+          <a:fontRef idx="minor">
+            <a:schemeClr val="tx1"/>
+          </a:fontRef>
+        </p:style>
+      </p:cxnSp>
+      <p:cxnSp>
+        <p:nvCxnSpPr>
+          <p:cNvPr id="48" name="Connector: Curved 47">
+            <a:extLst>
+              <a:ext uri="{FF2B5EF4-FFF2-40B4-BE49-F238E27FC236}">
+                <a16:creationId xmlns:a16="http://schemas.microsoft.com/office/drawing/2014/main" id="{935CD4C7-34B4-49F1-8748-FCA0178AE273}"/>
+              </a:ext>
+            </a:extLst>
+          </p:cNvPr>
+          <p:cNvCxnSpPr>
+            <a:cxnSpLocks/>
+            <a:endCxn id="5" idx="1"/>
+          </p:cNvCxnSpPr>
+          <p:nvPr/>
+        </p:nvCxnSpPr>
+        <p:spPr>
+          <a:xfrm>
+            <a:off x="0" y="1921992"/>
+            <a:ext cx="2041238" cy="825827"/>
+          </a:xfrm>
+          <a:prstGeom prst="curvedConnector3">
+            <a:avLst/>
+          </a:prstGeom>
+          <a:ln w="57150">
+            <a:headEnd type="none" w="med" len="med"/>
+            <a:tailEnd type="arrow" w="med" len="med"/>
+          </a:ln>
+        </p:spPr>
+        <p:style>
+          <a:lnRef idx="3">
+            <a:schemeClr val="accent6"/>
+          </a:lnRef>
+          <a:fillRef idx="0">
+            <a:schemeClr val="accent6"/>
+          </a:fillRef>
+          <a:effectRef idx="2">
+            <a:schemeClr val="accent6"/>
+          </a:effectRef>
+          <a:fontRef idx="minor">
+            <a:schemeClr val="tx1"/>
+          </a:fontRef>
+        </p:style>
+      </p:cxnSp>
+      <p:cxnSp>
+        <p:nvCxnSpPr>
+          <p:cNvPr id="51" name="Connector: Curved 50">
+            <a:extLst>
+              <a:ext uri="{FF2B5EF4-FFF2-40B4-BE49-F238E27FC236}">
+                <a16:creationId xmlns:a16="http://schemas.microsoft.com/office/drawing/2014/main" id="{4275AD89-D292-4831-B1F3-E8CC1F1042B6}"/>
+              </a:ext>
+            </a:extLst>
+          </p:cNvPr>
+          <p:cNvCxnSpPr>
+            <a:cxnSpLocks/>
+            <a:stCxn id="18" idx="1"/>
+          </p:cNvCxnSpPr>
+          <p:nvPr/>
+        </p:nvCxnSpPr>
+        <p:spPr>
+          <a:xfrm rot="10800000" flipV="1">
+            <a:off x="1" y="4399033"/>
+            <a:ext cx="2397993" cy="768279"/>
+          </a:xfrm>
+          <a:prstGeom prst="curvedConnector3">
+            <a:avLst>
+              <a:gd name="adj1" fmla="val 50000"/>
+            </a:avLst>
+          </a:prstGeom>
+          <a:ln w="57150">
+            <a:headEnd type="none" w="med" len="med"/>
+            <a:tailEnd type="arrow" w="med" len="med"/>
+          </a:ln>
+        </p:spPr>
+        <p:style>
+          <a:lnRef idx="3">
+            <a:schemeClr val="accent6"/>
+          </a:lnRef>
+          <a:fillRef idx="0">
+            <a:schemeClr val="accent6"/>
+          </a:fillRef>
+          <a:effectRef idx="2">
+            <a:schemeClr val="accent6"/>
+          </a:effectRef>
+          <a:fontRef idx="minor">
+            <a:schemeClr val="tx1"/>
+          </a:fontRef>
+        </p:style>
+      </p:cxnSp>
+      <p:sp>
+        <p:nvSpPr>
+          <p:cNvPr id="89" name="Rectangle: Rounded Corners 88">
+            <a:extLst>
+              <a:ext uri="{FF2B5EF4-FFF2-40B4-BE49-F238E27FC236}">
+                <a16:creationId xmlns:a16="http://schemas.microsoft.com/office/drawing/2014/main" id="{C3145F4F-8AEC-4243-8CB9-D10F50E00E9C}"/>
+              </a:ext>
+            </a:extLst>
+          </p:cNvPr>
+          <p:cNvSpPr/>
+          <p:nvPr/>
+        </p:nvSpPr>
+        <p:spPr>
+          <a:xfrm>
+            <a:off x="4276436" y="4186488"/>
+            <a:ext cx="1311564" cy="378691"/>
+          </a:xfrm>
+          <a:prstGeom prst="roundRect">
+            <a:avLst/>
+          </a:prstGeom>
+        </p:spPr>
+        <p:style>
+          <a:lnRef idx="3">
+            <a:schemeClr val="lt1"/>
+          </a:lnRef>
+          <a:fillRef idx="1">
+            <a:schemeClr val="accent2"/>
+          </a:fillRef>
+          <a:effectRef idx="1">
+            <a:schemeClr val="accent2"/>
+          </a:effectRef>
+          <a:fontRef idx="minor">
+            <a:schemeClr val="lt1"/>
+          </a:fontRef>
+        </p:style>
+        <p:txBody>
+          <a:bodyPr rtlCol="0" anchor="ctr"/>
+          <a:lstStyle/>
+          <a:p>
+            <a:pPr algn="ctr"/>
+            <a:endParaRPr lang="en-GB"/>
+          </a:p>
+        </p:txBody>
+      </p:sp>
+      <p:cxnSp>
+        <p:nvCxnSpPr>
+          <p:cNvPr id="90" name="Connector: Curved 89">
+            <a:extLst>
+              <a:ext uri="{FF2B5EF4-FFF2-40B4-BE49-F238E27FC236}">
+                <a16:creationId xmlns:a16="http://schemas.microsoft.com/office/drawing/2014/main" id="{07E70C66-C72F-4394-8C96-AEAF2CEC757E}"/>
+              </a:ext>
+            </a:extLst>
+          </p:cNvPr>
+          <p:cNvCxnSpPr>
+            <a:cxnSpLocks/>
+            <a:stCxn id="16" idx="1"/>
+            <a:endCxn id="89" idx="3"/>
+          </p:cNvCxnSpPr>
+          <p:nvPr/>
+        </p:nvCxnSpPr>
+        <p:spPr>
+          <a:xfrm rot="10800000" flipV="1">
+            <a:off x="5588000" y="4186488"/>
+            <a:ext cx="879186" cy="189345"/>
+          </a:xfrm>
+          <a:prstGeom prst="curvedConnector3">
+            <a:avLst>
+              <a:gd name="adj1" fmla="val 50000"/>
+            </a:avLst>
+          </a:prstGeom>
+          <a:ln w="28575">
+            <a:headEnd type="none" w="med" len="med"/>
+            <a:tailEnd type="arrow" w="med" len="med"/>
+          </a:ln>
+        </p:spPr>
+        <p:style>
+          <a:lnRef idx="3">
+            <a:schemeClr val="dk1"/>
+          </a:lnRef>
+          <a:fillRef idx="0">
+            <a:schemeClr val="dk1"/>
+          </a:fillRef>
+          <a:effectRef idx="2">
+            <a:schemeClr val="dk1"/>
+          </a:effectRef>
+          <a:fontRef idx="minor">
+            <a:schemeClr val="tx1"/>
+          </a:fontRef>
+        </p:style>
+      </p:cxnSp>
+      <p:sp>
+        <p:nvSpPr>
+          <p:cNvPr id="95" name="Rectangle: Rounded Corners 94">
+            <a:extLst>
+              <a:ext uri="{FF2B5EF4-FFF2-40B4-BE49-F238E27FC236}">
+                <a16:creationId xmlns:a16="http://schemas.microsoft.com/office/drawing/2014/main" id="{3AE9F45E-F05F-4D80-8300-47A5AF11F767}"/>
+              </a:ext>
+            </a:extLst>
+          </p:cNvPr>
+          <p:cNvSpPr/>
+          <p:nvPr/>
+        </p:nvSpPr>
+        <p:spPr>
+          <a:xfrm>
+            <a:off x="5976799" y="5392609"/>
+            <a:ext cx="1311564" cy="378691"/>
+          </a:xfrm>
+          <a:prstGeom prst="roundRect">
+            <a:avLst/>
+          </a:prstGeom>
+        </p:spPr>
+        <p:style>
+          <a:lnRef idx="3">
+            <a:schemeClr val="lt1"/>
+          </a:lnRef>
+          <a:fillRef idx="1">
+            <a:schemeClr val="accent3"/>
+          </a:fillRef>
+          <a:effectRef idx="1">
+            <a:schemeClr val="accent3"/>
+          </a:effectRef>
+          <a:fontRef idx="minor">
+            <a:schemeClr val="lt1"/>
+          </a:fontRef>
+        </p:style>
+        <p:txBody>
+          <a:bodyPr rtlCol="0" anchor="ctr"/>
+          <a:lstStyle/>
+          <a:p>
+            <a:pPr algn="ctr"/>
+            <a:endParaRPr lang="en-GB"/>
+          </a:p>
+        </p:txBody>
+      </p:sp>
+      <p:cxnSp>
+        <p:nvCxnSpPr>
+          <p:cNvPr id="100" name="Connector: Curved 99">
+            <a:extLst>
+              <a:ext uri="{FF2B5EF4-FFF2-40B4-BE49-F238E27FC236}">
+                <a16:creationId xmlns:a16="http://schemas.microsoft.com/office/drawing/2014/main" id="{FA2A2C8D-161F-46F0-AA1A-34526F9D0920}"/>
+              </a:ext>
+            </a:extLst>
+          </p:cNvPr>
+          <p:cNvCxnSpPr>
+            <a:cxnSpLocks/>
+            <a:stCxn id="89" idx="2"/>
+            <a:endCxn id="95" idx="0"/>
+          </p:cNvCxnSpPr>
+          <p:nvPr/>
+        </p:nvCxnSpPr>
+        <p:spPr>
+          <a:xfrm rot="16200000" flipH="1">
+            <a:off x="5368684" y="4128712"/>
+            <a:ext cx="827430" cy="1700363"/>
+          </a:xfrm>
+          <a:prstGeom prst="curvedConnector3">
+            <a:avLst>
+              <a:gd name="adj1" fmla="val 50000"/>
+            </a:avLst>
+          </a:prstGeom>
+          <a:ln w="28575">
+            <a:headEnd type="none" w="med" len="med"/>
+            <a:tailEnd type="arrow" w="med" len="med"/>
+          </a:ln>
+        </p:spPr>
+        <p:style>
+          <a:lnRef idx="3">
+            <a:schemeClr val="dk1"/>
+          </a:lnRef>
+          <a:fillRef idx="0">
+            <a:schemeClr val="dk1"/>
+          </a:fillRef>
+          <a:effectRef idx="2">
+            <a:schemeClr val="dk1"/>
+          </a:effectRef>
+          <a:fontRef idx="minor">
+            <a:schemeClr val="tx1"/>
+          </a:fontRef>
+        </p:style>
+      </p:cxnSp>
     </p:spTree>
     <p:extLst>
       <p:ext uri="{BB962C8B-B14F-4D97-AF65-F5344CB8AC3E}">
-        <p14:creationId xmlns:p14="http://schemas.microsoft.com/office/powerpoint/2010/main" val="3282478528"/>
+        <p14:creationId xmlns:p14="http://schemas.microsoft.com/office/powerpoint/2010/main" val="767850343"/>
       </p:ext>
     </p:extLst>
   </p:cSld>
@@ -3136,7 +4060,7 @@
             <a:pPr algn="ctr"/>
             <a:r>
               <a:rPr lang="fr-BE" sz="6000" dirty="0"/>
-              <a:t>La migration: point de départ</a:t>
+              <a:t>La migration: préparation</a:t>
             </a:r>
           </a:p>
         </p:txBody>
@@ -3182,12 +4106,8 @@
           <a:p>
             <a:pPr algn="ctr"/>
             <a:r>
-              <a:rPr lang="en-GB" sz="3200" dirty="0" err="1"/>
-              <a:t>Plateforme</a:t>
-            </a:r>
-            <a:r>
               <a:rPr lang="en-GB" sz="3200" dirty="0"/>
-              <a:t> ASP</a:t>
+              <a:t>ASP</a:t>
             </a:r>
           </a:p>
         </p:txBody>
@@ -3341,10 +4261,10 @@
       </p:sp>
       <p:sp>
         <p:nvSpPr>
-          <p:cNvPr id="10" name="Rectangle: Rounded Corners 9">
-            <a:extLst>
-              <a:ext uri="{FF2B5EF4-FFF2-40B4-BE49-F238E27FC236}">
-                <a16:creationId xmlns:a16="http://schemas.microsoft.com/office/drawing/2014/main" id="{88B95016-84F7-41AD-B1AB-DB12448920A4}"/>
+          <p:cNvPr id="18" name="Rectangle: Rounded Corners 17">
+            <a:extLst>
+              <a:ext uri="{FF2B5EF4-FFF2-40B4-BE49-F238E27FC236}">
+                <a16:creationId xmlns:a16="http://schemas.microsoft.com/office/drawing/2014/main" id="{B0D73E2F-750C-4B5D-98FB-58669CEC54A7}"/>
               </a:ext>
             </a:extLst>
           </p:cNvPr>
@@ -3353,7 +4273,7 @@
         </p:nvSpPr>
         <p:spPr>
           <a:xfrm>
-            <a:off x="3218880" y="3422824"/>
+            <a:off x="2397993" y="4209688"/>
             <a:ext cx="1311564" cy="378691"/>
           </a:xfrm>
           <a:prstGeom prst="roundRect">
@@ -3365,6 +4285,50 @@
             <a:schemeClr val="lt1"/>
           </a:lnRef>
           <a:fillRef idx="1">
+            <a:schemeClr val="accent3"/>
+          </a:fillRef>
+          <a:effectRef idx="1">
+            <a:schemeClr val="accent3"/>
+          </a:effectRef>
+          <a:fontRef idx="minor">
+            <a:schemeClr val="lt1"/>
+          </a:fontRef>
+        </p:style>
+        <p:txBody>
+          <a:bodyPr rtlCol="0" anchor="ctr"/>
+          <a:lstStyle/>
+          <a:p>
+            <a:pPr algn="ctr"/>
+            <a:endParaRPr lang="en-GB"/>
+          </a:p>
+        </p:txBody>
+      </p:sp>
+      <p:sp>
+        <p:nvSpPr>
+          <p:cNvPr id="19" name="Rectangle: Rounded Corners 18">
+            <a:extLst>
+              <a:ext uri="{FF2B5EF4-FFF2-40B4-BE49-F238E27FC236}">
+                <a16:creationId xmlns:a16="http://schemas.microsoft.com/office/drawing/2014/main" id="{F6A414A1-E684-43AD-99AD-BAA98C6EC4B2}"/>
+              </a:ext>
+            </a:extLst>
+          </p:cNvPr>
+          <p:cNvSpPr/>
+          <p:nvPr/>
+        </p:nvSpPr>
+        <p:spPr>
+          <a:xfrm>
+            <a:off x="6991927" y="2558472"/>
+            <a:ext cx="1311564" cy="1145310"/>
+          </a:xfrm>
+          <a:prstGeom prst="roundRect">
+            <a:avLst/>
+          </a:prstGeom>
+        </p:spPr>
+        <p:style>
+          <a:lnRef idx="3">
+            <a:schemeClr val="lt1"/>
+          </a:lnRef>
+          <a:fillRef idx="1">
             <a:schemeClr val="accent2"/>
           </a:fillRef>
           <a:effectRef idx="1">
@@ -3385,24 +4349,23 @@
       </p:sp>
       <p:cxnSp>
         <p:nvCxnSpPr>
-          <p:cNvPr id="12" name="Connector: Curved 11">
-            <a:extLst>
-              <a:ext uri="{FF2B5EF4-FFF2-40B4-BE49-F238E27FC236}">
-                <a16:creationId xmlns:a16="http://schemas.microsoft.com/office/drawing/2014/main" id="{3D658DF2-8BC4-4FC5-A155-1C61FF4B1457}"/>
+          <p:cNvPr id="33" name="Connector: Curved 32">
+            <a:extLst>
+              <a:ext uri="{FF2B5EF4-FFF2-40B4-BE49-F238E27FC236}">
+                <a16:creationId xmlns:a16="http://schemas.microsoft.com/office/drawing/2014/main" id="{0AFF80CB-534F-423B-ADC1-A9EC0495DA21}"/>
               </a:ext>
             </a:extLst>
           </p:cNvPr>
           <p:cNvCxnSpPr>
             <a:cxnSpLocks/>
-            <a:stCxn id="95" idx="1"/>
-            <a:endCxn id="20" idx="3"/>
+            <a:stCxn id="5" idx="3"/>
           </p:cNvCxnSpPr>
           <p:nvPr/>
         </p:nvCxnSpPr>
         <p:spPr>
-          <a:xfrm rot="10800000">
-            <a:off x="4932219" y="5392611"/>
-            <a:ext cx="1044581" cy="189345"/>
+          <a:xfrm>
+            <a:off x="3352802" y="2747819"/>
+            <a:ext cx="3639125" cy="180111"/>
           </a:xfrm>
           <a:prstGeom prst="curvedConnector3">
             <a:avLst/>
@@ -3427,249 +4390,30 @@
           </a:fontRef>
         </p:style>
       </p:cxnSp>
-      <p:sp>
-        <p:nvSpPr>
-          <p:cNvPr id="15" name="Rectangle: Rounded Corners 14">
-            <a:extLst>
-              <a:ext uri="{FF2B5EF4-FFF2-40B4-BE49-F238E27FC236}">
-                <a16:creationId xmlns:a16="http://schemas.microsoft.com/office/drawing/2014/main" id="{A9AFD420-0AA9-4750-9FEB-965CE120732A}"/>
-              </a:ext>
-            </a:extLst>
-          </p:cNvPr>
-          <p:cNvSpPr/>
-          <p:nvPr/>
-        </p:nvSpPr>
-        <p:spPr>
-          <a:xfrm>
-            <a:off x="4618191" y="2727253"/>
-            <a:ext cx="1311564" cy="378691"/>
-          </a:xfrm>
-          <a:prstGeom prst="roundRect">
-            <a:avLst/>
-          </a:prstGeom>
-        </p:spPr>
-        <p:style>
-          <a:lnRef idx="3">
-            <a:schemeClr val="lt1"/>
-          </a:lnRef>
-          <a:fillRef idx="1">
-            <a:schemeClr val="accent3"/>
-          </a:fillRef>
-          <a:effectRef idx="1">
-            <a:schemeClr val="accent3"/>
-          </a:effectRef>
-          <a:fontRef idx="minor">
-            <a:schemeClr val="lt1"/>
-          </a:fontRef>
-        </p:style>
-        <p:txBody>
-          <a:bodyPr rtlCol="0" anchor="ctr"/>
-          <a:lstStyle/>
-          <a:p>
-            <a:pPr algn="ctr"/>
-            <a:endParaRPr lang="en-GB"/>
-          </a:p>
-        </p:txBody>
-      </p:sp>
-      <p:sp>
-        <p:nvSpPr>
-          <p:cNvPr id="16" name="Rectangle: Rounded Corners 15">
-            <a:extLst>
-              <a:ext uri="{FF2B5EF4-FFF2-40B4-BE49-F238E27FC236}">
-                <a16:creationId xmlns:a16="http://schemas.microsoft.com/office/drawing/2014/main" id="{82658267-AE42-4274-B115-33388DEF58BF}"/>
-              </a:ext>
-            </a:extLst>
-          </p:cNvPr>
-          <p:cNvSpPr/>
-          <p:nvPr/>
-        </p:nvSpPr>
-        <p:spPr>
-          <a:xfrm>
-            <a:off x="6467186" y="3997143"/>
-            <a:ext cx="1311564" cy="378691"/>
-          </a:xfrm>
-          <a:prstGeom prst="roundRect">
-            <a:avLst/>
-          </a:prstGeom>
-        </p:spPr>
-        <p:style>
-          <a:lnRef idx="3">
-            <a:schemeClr val="lt1"/>
-          </a:lnRef>
-          <a:fillRef idx="1">
-            <a:schemeClr val="accent3"/>
-          </a:fillRef>
-          <a:effectRef idx="1">
-            <a:schemeClr val="accent3"/>
-          </a:effectRef>
-          <a:fontRef idx="minor">
-            <a:schemeClr val="lt1"/>
-          </a:fontRef>
-        </p:style>
-        <p:txBody>
-          <a:bodyPr rtlCol="0" anchor="ctr"/>
-          <a:lstStyle/>
-          <a:p>
-            <a:pPr algn="ctr"/>
-            <a:endParaRPr lang="en-GB"/>
-          </a:p>
-        </p:txBody>
-      </p:sp>
-      <p:sp>
-        <p:nvSpPr>
-          <p:cNvPr id="18" name="Rectangle: Rounded Corners 17">
-            <a:extLst>
-              <a:ext uri="{FF2B5EF4-FFF2-40B4-BE49-F238E27FC236}">
-                <a16:creationId xmlns:a16="http://schemas.microsoft.com/office/drawing/2014/main" id="{B0D73E2F-750C-4B5D-98FB-58669CEC54A7}"/>
-              </a:ext>
-            </a:extLst>
-          </p:cNvPr>
-          <p:cNvSpPr/>
-          <p:nvPr/>
-        </p:nvSpPr>
-        <p:spPr>
-          <a:xfrm>
-            <a:off x="2397993" y="4209688"/>
-            <a:ext cx="1311564" cy="378691"/>
-          </a:xfrm>
-          <a:prstGeom prst="roundRect">
-            <a:avLst/>
-          </a:prstGeom>
-        </p:spPr>
-        <p:style>
-          <a:lnRef idx="3">
-            <a:schemeClr val="lt1"/>
-          </a:lnRef>
-          <a:fillRef idx="1">
-            <a:schemeClr val="accent3"/>
-          </a:fillRef>
-          <a:effectRef idx="1">
-            <a:schemeClr val="accent3"/>
-          </a:effectRef>
-          <a:fontRef idx="minor">
-            <a:schemeClr val="lt1"/>
-          </a:fontRef>
-        </p:style>
-        <p:txBody>
-          <a:bodyPr rtlCol="0" anchor="ctr"/>
-          <a:lstStyle/>
-          <a:p>
-            <a:pPr algn="ctr"/>
-            <a:endParaRPr lang="en-GB"/>
-          </a:p>
-        </p:txBody>
-      </p:sp>
-      <p:sp>
-        <p:nvSpPr>
-          <p:cNvPr id="19" name="Rectangle: Rounded Corners 18">
-            <a:extLst>
-              <a:ext uri="{FF2B5EF4-FFF2-40B4-BE49-F238E27FC236}">
-                <a16:creationId xmlns:a16="http://schemas.microsoft.com/office/drawing/2014/main" id="{F6A414A1-E684-43AD-99AD-BAA98C6EC4B2}"/>
-              </a:ext>
-            </a:extLst>
-          </p:cNvPr>
-          <p:cNvSpPr/>
-          <p:nvPr/>
-        </p:nvSpPr>
-        <p:spPr>
-          <a:xfrm>
-            <a:off x="6797976" y="2980366"/>
-            <a:ext cx="1311564" cy="378691"/>
-          </a:xfrm>
-          <a:prstGeom prst="roundRect">
-            <a:avLst/>
-          </a:prstGeom>
-        </p:spPr>
-        <p:style>
-          <a:lnRef idx="3">
-            <a:schemeClr val="lt1"/>
-          </a:lnRef>
-          <a:fillRef idx="1">
-            <a:schemeClr val="accent2"/>
-          </a:fillRef>
-          <a:effectRef idx="1">
-            <a:schemeClr val="accent2"/>
-          </a:effectRef>
-          <a:fontRef idx="minor">
-            <a:schemeClr val="lt1"/>
-          </a:fontRef>
-        </p:style>
-        <p:txBody>
-          <a:bodyPr rtlCol="0" anchor="ctr"/>
-          <a:lstStyle/>
-          <a:p>
-            <a:pPr algn="ctr"/>
-            <a:endParaRPr lang="en-GB"/>
-          </a:p>
-        </p:txBody>
-      </p:sp>
-      <p:sp>
-        <p:nvSpPr>
-          <p:cNvPr id="20" name="Rectangle: Rounded Corners 19">
-            <a:extLst>
-              <a:ext uri="{FF2B5EF4-FFF2-40B4-BE49-F238E27FC236}">
-                <a16:creationId xmlns:a16="http://schemas.microsoft.com/office/drawing/2014/main" id="{12A31F60-2204-406A-94BF-6D1E38BE235D}"/>
-              </a:ext>
-            </a:extLst>
-          </p:cNvPr>
-          <p:cNvSpPr/>
-          <p:nvPr/>
-        </p:nvSpPr>
-        <p:spPr>
-          <a:xfrm>
-            <a:off x="3620654" y="5203264"/>
-            <a:ext cx="1311564" cy="378691"/>
-          </a:xfrm>
-          <a:prstGeom prst="roundRect">
-            <a:avLst/>
-          </a:prstGeom>
-        </p:spPr>
-        <p:style>
-          <a:lnRef idx="3">
-            <a:schemeClr val="lt1"/>
-          </a:lnRef>
-          <a:fillRef idx="1">
-            <a:schemeClr val="accent2"/>
-          </a:fillRef>
-          <a:effectRef idx="1">
-            <a:schemeClr val="accent2"/>
-          </a:effectRef>
-          <a:fontRef idx="minor">
-            <a:schemeClr val="lt1"/>
-          </a:fontRef>
-        </p:style>
-        <p:txBody>
-          <a:bodyPr rtlCol="0" anchor="ctr"/>
-          <a:lstStyle/>
-          <a:p>
-            <a:pPr algn="ctr"/>
-            <a:endParaRPr lang="en-GB"/>
-          </a:p>
-        </p:txBody>
-      </p:sp>
       <p:cxnSp>
         <p:nvCxnSpPr>
-          <p:cNvPr id="23" name="Connector: Curved 22">
-            <a:extLst>
-              <a:ext uri="{FF2B5EF4-FFF2-40B4-BE49-F238E27FC236}">
-                <a16:creationId xmlns:a16="http://schemas.microsoft.com/office/drawing/2014/main" id="{FD93D509-8DF8-4E49-A44E-4C0DC28EA2B3}"/>
+          <p:cNvPr id="36" name="Connector: Curved 35">
+            <a:extLst>
+              <a:ext uri="{FF2B5EF4-FFF2-40B4-BE49-F238E27FC236}">
+                <a16:creationId xmlns:a16="http://schemas.microsoft.com/office/drawing/2014/main" id="{9717255C-348B-4575-91EB-82FA514B8CCA}"/>
               </a:ext>
             </a:extLst>
           </p:cNvPr>
           <p:cNvCxnSpPr>
             <a:cxnSpLocks/>
-            <a:stCxn id="10" idx="0"/>
-            <a:endCxn id="15" idx="1"/>
+            <a:endCxn id="18" idx="3"/>
           </p:cNvCxnSpPr>
           <p:nvPr/>
         </p:nvCxnSpPr>
         <p:spPr>
-          <a:xfrm rot="5400000" flipH="1" flipV="1">
-            <a:off x="3993314" y="2797948"/>
-            <a:ext cx="506225" cy="743529"/>
-          </a:xfrm>
-          <a:prstGeom prst="curvedConnector2">
-            <a:avLst/>
+          <a:xfrm rot="10800000">
+            <a:off x="3709557" y="4399035"/>
+            <a:ext cx="3282370" cy="716033"/>
+          </a:xfrm>
+          <a:prstGeom prst="curvedConnector3">
+            <a:avLst>
+              <a:gd name="adj1" fmla="val 50000"/>
+            </a:avLst>
           </a:prstGeom>
           <a:ln w="28575">
             <a:headEnd type="none" w="med" len="med"/>
@@ -3693,30 +4437,203 @@
       </p:cxnSp>
       <p:cxnSp>
         <p:nvCxnSpPr>
-          <p:cNvPr id="26" name="Connector: Curved 25">
-            <a:extLst>
-              <a:ext uri="{FF2B5EF4-FFF2-40B4-BE49-F238E27FC236}">
-                <a16:creationId xmlns:a16="http://schemas.microsoft.com/office/drawing/2014/main" id="{3A7DB30C-C298-4B79-8BCB-84CC81063415}"/>
+          <p:cNvPr id="48" name="Connector: Curved 47">
+            <a:extLst>
+              <a:ext uri="{FF2B5EF4-FFF2-40B4-BE49-F238E27FC236}">
+                <a16:creationId xmlns:a16="http://schemas.microsoft.com/office/drawing/2014/main" id="{935CD4C7-34B4-49F1-8748-FCA0178AE273}"/>
               </a:ext>
             </a:extLst>
           </p:cNvPr>
           <p:cNvCxnSpPr>
             <a:cxnSpLocks/>
-            <a:stCxn id="15" idx="3"/>
-            <a:endCxn id="19" idx="1"/>
+            <a:endCxn id="5" idx="1"/>
           </p:cNvCxnSpPr>
           <p:nvPr/>
         </p:nvCxnSpPr>
         <p:spPr>
           <a:xfrm>
-            <a:off x="5929755" y="2916599"/>
-            <a:ext cx="868221" cy="253113"/>
+            <a:off x="0" y="1921992"/>
+            <a:ext cx="2041238" cy="825827"/>
+          </a:xfrm>
+          <a:prstGeom prst="curvedConnector3">
+            <a:avLst/>
+          </a:prstGeom>
+          <a:ln w="57150">
+            <a:headEnd type="none" w="med" len="med"/>
+            <a:tailEnd type="arrow" w="med" len="med"/>
+          </a:ln>
+        </p:spPr>
+        <p:style>
+          <a:lnRef idx="3">
+            <a:schemeClr val="accent6"/>
+          </a:lnRef>
+          <a:fillRef idx="0">
+            <a:schemeClr val="accent6"/>
+          </a:fillRef>
+          <a:effectRef idx="2">
+            <a:schemeClr val="accent6"/>
+          </a:effectRef>
+          <a:fontRef idx="minor">
+            <a:schemeClr val="tx1"/>
+          </a:fontRef>
+        </p:style>
+      </p:cxnSp>
+      <p:cxnSp>
+        <p:nvCxnSpPr>
+          <p:cNvPr id="51" name="Connector: Curved 50">
+            <a:extLst>
+              <a:ext uri="{FF2B5EF4-FFF2-40B4-BE49-F238E27FC236}">
+                <a16:creationId xmlns:a16="http://schemas.microsoft.com/office/drawing/2014/main" id="{4275AD89-D292-4831-B1F3-E8CC1F1042B6}"/>
+              </a:ext>
+            </a:extLst>
+          </p:cNvPr>
+          <p:cNvCxnSpPr>
+            <a:cxnSpLocks/>
+            <a:stCxn id="18" idx="1"/>
+          </p:cNvCxnSpPr>
+          <p:nvPr/>
+        </p:nvCxnSpPr>
+        <p:spPr>
+          <a:xfrm rot="10800000" flipV="1">
+            <a:off x="1" y="4399033"/>
+            <a:ext cx="2397993" cy="768279"/>
           </a:xfrm>
           <a:prstGeom prst="curvedConnector3">
             <a:avLst>
               <a:gd name="adj1" fmla="val 50000"/>
             </a:avLst>
           </a:prstGeom>
+          <a:ln w="57150">
+            <a:headEnd type="none" w="med" len="med"/>
+            <a:tailEnd type="arrow" w="med" len="med"/>
+          </a:ln>
+        </p:spPr>
+        <p:style>
+          <a:lnRef idx="3">
+            <a:schemeClr val="accent6"/>
+          </a:lnRef>
+          <a:fillRef idx="0">
+            <a:schemeClr val="accent6"/>
+          </a:fillRef>
+          <a:effectRef idx="2">
+            <a:schemeClr val="accent6"/>
+          </a:effectRef>
+          <a:fontRef idx="minor">
+            <a:schemeClr val="tx1"/>
+          </a:fontRef>
+        </p:style>
+      </p:cxnSp>
+      <p:sp>
+        <p:nvSpPr>
+          <p:cNvPr id="31" name="Rectangle: Rounded Corners 30">
+            <a:extLst>
+              <a:ext uri="{FF2B5EF4-FFF2-40B4-BE49-F238E27FC236}">
+                <a16:creationId xmlns:a16="http://schemas.microsoft.com/office/drawing/2014/main" id="{70A1E74B-66DC-4BB2-A729-A5C85F1936FB}"/>
+              </a:ext>
+            </a:extLst>
+          </p:cNvPr>
+          <p:cNvSpPr/>
+          <p:nvPr/>
+        </p:nvSpPr>
+        <p:spPr>
+          <a:xfrm>
+            <a:off x="6991927" y="4234872"/>
+            <a:ext cx="1311564" cy="1145310"/>
+          </a:xfrm>
+          <a:prstGeom prst="roundRect">
+            <a:avLst/>
+          </a:prstGeom>
+        </p:spPr>
+        <p:style>
+          <a:lnRef idx="3">
+            <a:schemeClr val="lt1"/>
+          </a:lnRef>
+          <a:fillRef idx="1">
+            <a:schemeClr val="accent2"/>
+          </a:fillRef>
+          <a:effectRef idx="1">
+            <a:schemeClr val="accent2"/>
+          </a:effectRef>
+          <a:fontRef idx="minor">
+            <a:schemeClr val="lt1"/>
+          </a:fontRef>
+        </p:style>
+        <p:txBody>
+          <a:bodyPr rtlCol="0" anchor="ctr"/>
+          <a:lstStyle/>
+          <a:p>
+            <a:pPr algn="ctr"/>
+            <a:endParaRPr lang="en-GB"/>
+          </a:p>
+        </p:txBody>
+      </p:sp>
+      <p:sp>
+        <p:nvSpPr>
+          <p:cNvPr id="37" name="Rectangle: Rounded Corners 36">
+            <a:extLst>
+              <a:ext uri="{FF2B5EF4-FFF2-40B4-BE49-F238E27FC236}">
+                <a16:creationId xmlns:a16="http://schemas.microsoft.com/office/drawing/2014/main" id="{895C58AB-7B94-40E6-BA3C-FED435B64C7D}"/>
+              </a:ext>
+            </a:extLst>
+          </p:cNvPr>
+          <p:cNvSpPr/>
+          <p:nvPr/>
+        </p:nvSpPr>
+        <p:spPr>
+          <a:xfrm>
+            <a:off x="5024583" y="3703782"/>
+            <a:ext cx="1311564" cy="378691"/>
+          </a:xfrm>
+          <a:prstGeom prst="roundRect">
+            <a:avLst/>
+          </a:prstGeom>
+        </p:spPr>
+        <p:style>
+          <a:lnRef idx="3">
+            <a:schemeClr val="lt1"/>
+          </a:lnRef>
+          <a:fillRef idx="1">
+            <a:schemeClr val="accent3"/>
+          </a:fillRef>
+          <a:effectRef idx="1">
+            <a:schemeClr val="accent3"/>
+          </a:effectRef>
+          <a:fontRef idx="minor">
+            <a:schemeClr val="lt1"/>
+          </a:fontRef>
+        </p:style>
+        <p:txBody>
+          <a:bodyPr rtlCol="0" anchor="ctr"/>
+          <a:lstStyle/>
+          <a:p>
+            <a:pPr algn="ctr"/>
+            <a:endParaRPr lang="en-GB"/>
+          </a:p>
+        </p:txBody>
+      </p:sp>
+      <p:cxnSp>
+        <p:nvCxnSpPr>
+          <p:cNvPr id="38" name="Connector: Curved 37">
+            <a:extLst>
+              <a:ext uri="{FF2B5EF4-FFF2-40B4-BE49-F238E27FC236}">
+                <a16:creationId xmlns:a16="http://schemas.microsoft.com/office/drawing/2014/main" id="{A8D5710C-CCCD-44BC-B565-29C7A14A6622}"/>
+              </a:ext>
+            </a:extLst>
+          </p:cNvPr>
+          <p:cNvCxnSpPr>
+            <a:cxnSpLocks/>
+            <a:endCxn id="37" idx="0"/>
+          </p:cNvCxnSpPr>
+          <p:nvPr/>
+        </p:nvCxnSpPr>
+        <p:spPr>
+          <a:xfrm rot="10800000" flipV="1">
+            <a:off x="5680365" y="3306620"/>
+            <a:ext cx="1285010" cy="397162"/>
+          </a:xfrm>
+          <a:prstGeom prst="curvedConnector2">
+            <a:avLst/>
+          </a:prstGeom>
           <a:ln w="28575">
             <a:headEnd type="none" w="med" len="med"/>
             <a:tailEnd type="arrow" w="med" len="med"/>
@@ -3739,29 +4656,26 @@
       </p:cxnSp>
       <p:cxnSp>
         <p:nvCxnSpPr>
-          <p:cNvPr id="29" name="Connector: Curved 28">
-            <a:extLst>
-              <a:ext uri="{FF2B5EF4-FFF2-40B4-BE49-F238E27FC236}">
-                <a16:creationId xmlns:a16="http://schemas.microsoft.com/office/drawing/2014/main" id="{759638E4-88C4-4F3C-98C5-C47D1A7EC67F}"/>
+          <p:cNvPr id="42" name="Connector: Curved 41">
+            <a:extLst>
+              <a:ext uri="{FF2B5EF4-FFF2-40B4-BE49-F238E27FC236}">
+                <a16:creationId xmlns:a16="http://schemas.microsoft.com/office/drawing/2014/main" id="{6A80C577-2A6E-445D-BD46-49FB21638D23}"/>
               </a:ext>
             </a:extLst>
           </p:cNvPr>
           <p:cNvCxnSpPr>
             <a:cxnSpLocks/>
-            <a:stCxn id="19" idx="2"/>
-            <a:endCxn id="16" idx="0"/>
+            <a:stCxn id="37" idx="2"/>
           </p:cNvCxnSpPr>
           <p:nvPr/>
         </p:nvCxnSpPr>
         <p:spPr>
-          <a:xfrm rot="5400000">
-            <a:off x="6969320" y="3512705"/>
-            <a:ext cx="638086" cy="330790"/>
-          </a:xfrm>
-          <a:prstGeom prst="curvedConnector3">
-            <a:avLst>
-              <a:gd name="adj1" fmla="val 50000"/>
-            </a:avLst>
+          <a:xfrm rot="16200000" flipH="1">
+            <a:off x="6070601" y="3692237"/>
+            <a:ext cx="531090" cy="1311562"/>
+          </a:xfrm>
+          <a:prstGeom prst="curvedConnector2">
+            <a:avLst/>
           </a:prstGeom>
           <a:ln w="28575">
             <a:headEnd type="none" w="med" len="med"/>
@@ -3783,366 +4697,10 @@
           </a:fontRef>
         </p:style>
       </p:cxnSp>
-      <p:cxnSp>
-        <p:nvCxnSpPr>
-          <p:cNvPr id="33" name="Connector: Curved 32">
-            <a:extLst>
-              <a:ext uri="{FF2B5EF4-FFF2-40B4-BE49-F238E27FC236}">
-                <a16:creationId xmlns:a16="http://schemas.microsoft.com/office/drawing/2014/main" id="{0AFF80CB-534F-423B-ADC1-A9EC0495DA21}"/>
-              </a:ext>
-            </a:extLst>
-          </p:cNvPr>
-          <p:cNvCxnSpPr>
-            <a:cxnSpLocks/>
-            <a:stCxn id="5" idx="2"/>
-            <a:endCxn id="10" idx="1"/>
-          </p:cNvCxnSpPr>
-          <p:nvPr/>
-        </p:nvCxnSpPr>
-        <p:spPr>
-          <a:xfrm rot="16200000" flipH="1">
-            <a:off x="2620447" y="3013737"/>
-            <a:ext cx="675006" cy="521860"/>
-          </a:xfrm>
-          <a:prstGeom prst="curvedConnector2">
-            <a:avLst/>
-          </a:prstGeom>
-          <a:ln w="28575">
-            <a:headEnd type="none" w="med" len="med"/>
-            <a:tailEnd type="arrow" w="med" len="med"/>
-          </a:ln>
-        </p:spPr>
-        <p:style>
-          <a:lnRef idx="3">
-            <a:schemeClr val="dk1"/>
-          </a:lnRef>
-          <a:fillRef idx="0">
-            <a:schemeClr val="dk1"/>
-          </a:fillRef>
-          <a:effectRef idx="2">
-            <a:schemeClr val="dk1"/>
-          </a:effectRef>
-          <a:fontRef idx="minor">
-            <a:schemeClr val="tx1"/>
-          </a:fontRef>
-        </p:style>
-      </p:cxnSp>
-      <p:cxnSp>
-        <p:nvCxnSpPr>
-          <p:cNvPr id="36" name="Connector: Curved 35">
-            <a:extLst>
-              <a:ext uri="{FF2B5EF4-FFF2-40B4-BE49-F238E27FC236}">
-                <a16:creationId xmlns:a16="http://schemas.microsoft.com/office/drawing/2014/main" id="{9717255C-348B-4575-91EB-82FA514B8CCA}"/>
-              </a:ext>
-            </a:extLst>
-          </p:cNvPr>
-          <p:cNvCxnSpPr>
-            <a:cxnSpLocks/>
-            <a:stCxn id="20" idx="1"/>
-            <a:endCxn id="18" idx="2"/>
-          </p:cNvCxnSpPr>
-          <p:nvPr/>
-        </p:nvCxnSpPr>
-        <p:spPr>
-          <a:xfrm rot="10800000">
-            <a:off x="3053776" y="4588380"/>
-            <a:ext cx="566879" cy="804231"/>
-          </a:xfrm>
-          <a:prstGeom prst="curvedConnector2">
-            <a:avLst/>
-          </a:prstGeom>
-          <a:ln w="28575">
-            <a:headEnd type="none" w="med" len="med"/>
-            <a:tailEnd type="arrow" w="med" len="med"/>
-          </a:ln>
-        </p:spPr>
-        <p:style>
-          <a:lnRef idx="3">
-            <a:schemeClr val="dk1"/>
-          </a:lnRef>
-          <a:fillRef idx="0">
-            <a:schemeClr val="dk1"/>
-          </a:fillRef>
-          <a:effectRef idx="2">
-            <a:schemeClr val="dk1"/>
-          </a:effectRef>
-          <a:fontRef idx="minor">
-            <a:schemeClr val="tx1"/>
-          </a:fontRef>
-        </p:style>
-      </p:cxnSp>
-      <p:cxnSp>
-        <p:nvCxnSpPr>
-          <p:cNvPr id="48" name="Connector: Curved 47">
-            <a:extLst>
-              <a:ext uri="{FF2B5EF4-FFF2-40B4-BE49-F238E27FC236}">
-                <a16:creationId xmlns:a16="http://schemas.microsoft.com/office/drawing/2014/main" id="{935CD4C7-34B4-49F1-8748-FCA0178AE273}"/>
-              </a:ext>
-            </a:extLst>
-          </p:cNvPr>
-          <p:cNvCxnSpPr>
-            <a:cxnSpLocks/>
-            <a:endCxn id="5" idx="1"/>
-          </p:cNvCxnSpPr>
-          <p:nvPr/>
-        </p:nvCxnSpPr>
-        <p:spPr>
-          <a:xfrm>
-            <a:off x="0" y="1921992"/>
-            <a:ext cx="2041238" cy="825827"/>
-          </a:xfrm>
-          <a:prstGeom prst="curvedConnector3">
-            <a:avLst/>
-          </a:prstGeom>
-          <a:ln w="57150">
-            <a:headEnd type="none" w="med" len="med"/>
-            <a:tailEnd type="arrow" w="med" len="med"/>
-          </a:ln>
-        </p:spPr>
-        <p:style>
-          <a:lnRef idx="3">
-            <a:schemeClr val="accent6"/>
-          </a:lnRef>
-          <a:fillRef idx="0">
-            <a:schemeClr val="accent6"/>
-          </a:fillRef>
-          <a:effectRef idx="2">
-            <a:schemeClr val="accent6"/>
-          </a:effectRef>
-          <a:fontRef idx="minor">
-            <a:schemeClr val="tx1"/>
-          </a:fontRef>
-        </p:style>
-      </p:cxnSp>
-      <p:cxnSp>
-        <p:nvCxnSpPr>
-          <p:cNvPr id="51" name="Connector: Curved 50">
-            <a:extLst>
-              <a:ext uri="{FF2B5EF4-FFF2-40B4-BE49-F238E27FC236}">
-                <a16:creationId xmlns:a16="http://schemas.microsoft.com/office/drawing/2014/main" id="{4275AD89-D292-4831-B1F3-E8CC1F1042B6}"/>
-              </a:ext>
-            </a:extLst>
-          </p:cNvPr>
-          <p:cNvCxnSpPr>
-            <a:cxnSpLocks/>
-            <a:stCxn id="18" idx="1"/>
-          </p:cNvCxnSpPr>
-          <p:nvPr/>
-        </p:nvCxnSpPr>
-        <p:spPr>
-          <a:xfrm rot="10800000" flipV="1">
-            <a:off x="1" y="4399033"/>
-            <a:ext cx="2397993" cy="768279"/>
-          </a:xfrm>
-          <a:prstGeom prst="curvedConnector3">
-            <a:avLst>
-              <a:gd name="adj1" fmla="val 50000"/>
-            </a:avLst>
-          </a:prstGeom>
-          <a:ln w="57150">
-            <a:headEnd type="none" w="med" len="med"/>
-            <a:tailEnd type="arrow" w="med" len="med"/>
-          </a:ln>
-        </p:spPr>
-        <p:style>
-          <a:lnRef idx="3">
-            <a:schemeClr val="accent6"/>
-          </a:lnRef>
-          <a:fillRef idx="0">
-            <a:schemeClr val="accent6"/>
-          </a:fillRef>
-          <a:effectRef idx="2">
-            <a:schemeClr val="accent6"/>
-          </a:effectRef>
-          <a:fontRef idx="minor">
-            <a:schemeClr val="tx1"/>
-          </a:fontRef>
-        </p:style>
-      </p:cxnSp>
-      <p:sp>
-        <p:nvSpPr>
-          <p:cNvPr id="89" name="Rectangle: Rounded Corners 88">
-            <a:extLst>
-              <a:ext uri="{FF2B5EF4-FFF2-40B4-BE49-F238E27FC236}">
-                <a16:creationId xmlns:a16="http://schemas.microsoft.com/office/drawing/2014/main" id="{C3145F4F-8AEC-4243-8CB9-D10F50E00E9C}"/>
-              </a:ext>
-            </a:extLst>
-          </p:cNvPr>
-          <p:cNvSpPr/>
-          <p:nvPr/>
-        </p:nvSpPr>
-        <p:spPr>
-          <a:xfrm>
-            <a:off x="4276436" y="4186488"/>
-            <a:ext cx="1311564" cy="378691"/>
-          </a:xfrm>
-          <a:prstGeom prst="roundRect">
-            <a:avLst/>
-          </a:prstGeom>
-        </p:spPr>
-        <p:style>
-          <a:lnRef idx="3">
-            <a:schemeClr val="lt1"/>
-          </a:lnRef>
-          <a:fillRef idx="1">
-            <a:schemeClr val="accent2"/>
-          </a:fillRef>
-          <a:effectRef idx="1">
-            <a:schemeClr val="accent2"/>
-          </a:effectRef>
-          <a:fontRef idx="minor">
-            <a:schemeClr val="lt1"/>
-          </a:fontRef>
-        </p:style>
-        <p:txBody>
-          <a:bodyPr rtlCol="0" anchor="ctr"/>
-          <a:lstStyle/>
-          <a:p>
-            <a:pPr algn="ctr"/>
-            <a:endParaRPr lang="en-GB"/>
-          </a:p>
-        </p:txBody>
-      </p:sp>
-      <p:cxnSp>
-        <p:nvCxnSpPr>
-          <p:cNvPr id="90" name="Connector: Curved 89">
-            <a:extLst>
-              <a:ext uri="{FF2B5EF4-FFF2-40B4-BE49-F238E27FC236}">
-                <a16:creationId xmlns:a16="http://schemas.microsoft.com/office/drawing/2014/main" id="{07E70C66-C72F-4394-8C96-AEAF2CEC757E}"/>
-              </a:ext>
-            </a:extLst>
-          </p:cNvPr>
-          <p:cNvCxnSpPr>
-            <a:cxnSpLocks/>
-            <a:stCxn id="16" idx="1"/>
-            <a:endCxn id="89" idx="3"/>
-          </p:cNvCxnSpPr>
-          <p:nvPr/>
-        </p:nvCxnSpPr>
-        <p:spPr>
-          <a:xfrm rot="10800000" flipV="1">
-            <a:off x="5588000" y="4186488"/>
-            <a:ext cx="879186" cy="189345"/>
-          </a:xfrm>
-          <a:prstGeom prst="curvedConnector3">
-            <a:avLst>
-              <a:gd name="adj1" fmla="val 50000"/>
-            </a:avLst>
-          </a:prstGeom>
-          <a:ln w="28575">
-            <a:headEnd type="none" w="med" len="med"/>
-            <a:tailEnd type="arrow" w="med" len="med"/>
-          </a:ln>
-        </p:spPr>
-        <p:style>
-          <a:lnRef idx="3">
-            <a:schemeClr val="dk1"/>
-          </a:lnRef>
-          <a:fillRef idx="0">
-            <a:schemeClr val="dk1"/>
-          </a:fillRef>
-          <a:effectRef idx="2">
-            <a:schemeClr val="dk1"/>
-          </a:effectRef>
-          <a:fontRef idx="minor">
-            <a:schemeClr val="tx1"/>
-          </a:fontRef>
-        </p:style>
-      </p:cxnSp>
-      <p:sp>
-        <p:nvSpPr>
-          <p:cNvPr id="95" name="Rectangle: Rounded Corners 94">
-            <a:extLst>
-              <a:ext uri="{FF2B5EF4-FFF2-40B4-BE49-F238E27FC236}">
-                <a16:creationId xmlns:a16="http://schemas.microsoft.com/office/drawing/2014/main" id="{3AE9F45E-F05F-4D80-8300-47A5AF11F767}"/>
-              </a:ext>
-            </a:extLst>
-          </p:cNvPr>
-          <p:cNvSpPr/>
-          <p:nvPr/>
-        </p:nvSpPr>
-        <p:spPr>
-          <a:xfrm>
-            <a:off x="5976799" y="5392609"/>
-            <a:ext cx="1311564" cy="378691"/>
-          </a:xfrm>
-          <a:prstGeom prst="roundRect">
-            <a:avLst/>
-          </a:prstGeom>
-        </p:spPr>
-        <p:style>
-          <a:lnRef idx="3">
-            <a:schemeClr val="lt1"/>
-          </a:lnRef>
-          <a:fillRef idx="1">
-            <a:schemeClr val="accent3"/>
-          </a:fillRef>
-          <a:effectRef idx="1">
-            <a:schemeClr val="accent3"/>
-          </a:effectRef>
-          <a:fontRef idx="minor">
-            <a:schemeClr val="lt1"/>
-          </a:fontRef>
-        </p:style>
-        <p:txBody>
-          <a:bodyPr rtlCol="0" anchor="ctr"/>
-          <a:lstStyle/>
-          <a:p>
-            <a:pPr algn="ctr"/>
-            <a:endParaRPr lang="en-GB"/>
-          </a:p>
-        </p:txBody>
-      </p:sp>
-      <p:cxnSp>
-        <p:nvCxnSpPr>
-          <p:cNvPr id="100" name="Connector: Curved 99">
-            <a:extLst>
-              <a:ext uri="{FF2B5EF4-FFF2-40B4-BE49-F238E27FC236}">
-                <a16:creationId xmlns:a16="http://schemas.microsoft.com/office/drawing/2014/main" id="{FA2A2C8D-161F-46F0-AA1A-34526F9D0920}"/>
-              </a:ext>
-            </a:extLst>
-          </p:cNvPr>
-          <p:cNvCxnSpPr>
-            <a:cxnSpLocks/>
-            <a:stCxn id="89" idx="2"/>
-            <a:endCxn id="95" idx="0"/>
-          </p:cNvCxnSpPr>
-          <p:nvPr/>
-        </p:nvCxnSpPr>
-        <p:spPr>
-          <a:xfrm rot="16200000" flipH="1">
-            <a:off x="5368684" y="4128712"/>
-            <a:ext cx="827430" cy="1700363"/>
-          </a:xfrm>
-          <a:prstGeom prst="curvedConnector3">
-            <a:avLst>
-              <a:gd name="adj1" fmla="val 50000"/>
-            </a:avLst>
-          </a:prstGeom>
-          <a:ln w="28575">
-            <a:headEnd type="none" w="med" len="med"/>
-            <a:tailEnd type="arrow" w="med" len="med"/>
-          </a:ln>
-        </p:spPr>
-        <p:style>
-          <a:lnRef idx="3">
-            <a:schemeClr val="dk1"/>
-          </a:lnRef>
-          <a:fillRef idx="0">
-            <a:schemeClr val="dk1"/>
-          </a:fillRef>
-          <a:effectRef idx="2">
-            <a:schemeClr val="dk1"/>
-          </a:effectRef>
-          <a:fontRef idx="minor">
-            <a:schemeClr val="tx1"/>
-          </a:fontRef>
-        </p:style>
-      </p:cxnSp>
     </p:spTree>
     <p:extLst>
       <p:ext uri="{BB962C8B-B14F-4D97-AF65-F5344CB8AC3E}">
-        <p14:creationId xmlns:p14="http://schemas.microsoft.com/office/powerpoint/2010/main" val="767850343"/>
+        <p14:creationId xmlns:p14="http://schemas.microsoft.com/office/powerpoint/2010/main" val="1890935349"/>
       </p:ext>
     </p:extLst>
   </p:cSld>
@@ -4195,7 +4753,7 @@
             <a:pPr algn="ctr"/>
             <a:r>
               <a:rPr lang="fr-BE" sz="6000" dirty="0"/>
-              <a:t>La migration: préparation</a:t>
+              <a:t>La migration: comparaison</a:t>
             </a:r>
           </a:p>
         </p:txBody>
@@ -4241,12 +4799,8 @@
           <a:p>
             <a:pPr algn="ctr"/>
             <a:r>
-              <a:rPr lang="en-GB" sz="3200" dirty="0" err="1"/>
-              <a:t>Plateforme</a:t>
-            </a:r>
-            <a:r>
               <a:rPr lang="en-GB" sz="3200" dirty="0"/>
-              <a:t> ASP</a:t>
+              <a:t>ASP</a:t>
             </a:r>
           </a:p>
         </p:txBody>
@@ -4599,7 +5153,7 @@
           </a:prstGeom>
           <a:ln w="57150">
             <a:headEnd type="none" w="med" len="med"/>
-            <a:tailEnd type="arrow" w="med" len="med"/>
+            <a:tailEnd type="triangle" w="med" len="med"/>
           </a:ln>
         </p:spPr>
         <p:style>
@@ -4644,7 +5198,7 @@
           </a:prstGeom>
           <a:ln w="57150">
             <a:headEnd type="none" w="med" len="med"/>
-            <a:tailEnd type="arrow" w="med" len="med"/>
+            <a:tailEnd type="triangle" w="med" len="med"/>
           </a:ln>
         </p:spPr>
         <p:style>
@@ -4836,10 +5390,151 @@
           </a:fontRef>
         </p:style>
       </p:cxnSp>
+      <p:sp>
+        <p:nvSpPr>
+          <p:cNvPr id="3" name="Rectangle: Rounded Corners 2">
+            <a:extLst>
+              <a:ext uri="{FF2B5EF4-FFF2-40B4-BE49-F238E27FC236}">
+                <a16:creationId xmlns:a16="http://schemas.microsoft.com/office/drawing/2014/main" id="{DE1E1D21-6BB6-46C2-BF3C-4D489A03DA1A}"/>
+              </a:ext>
+            </a:extLst>
+          </p:cNvPr>
+          <p:cNvSpPr/>
+          <p:nvPr/>
+        </p:nvSpPr>
+        <p:spPr>
+          <a:xfrm>
+            <a:off x="9140538" y="1690687"/>
+            <a:ext cx="2330102" cy="4312949"/>
+          </a:xfrm>
+          <a:prstGeom prst="roundRect">
+            <a:avLst/>
+          </a:prstGeom>
+        </p:spPr>
+        <p:style>
+          <a:lnRef idx="3">
+            <a:schemeClr val="lt1"/>
+          </a:lnRef>
+          <a:fillRef idx="1">
+            <a:schemeClr val="accent4"/>
+          </a:fillRef>
+          <a:effectRef idx="1">
+            <a:schemeClr val="accent4"/>
+          </a:effectRef>
+          <a:fontRef idx="minor">
+            <a:schemeClr val="lt1"/>
+          </a:fontRef>
+        </p:style>
+        <p:txBody>
+          <a:bodyPr rtlCol="0" anchor="ctr"/>
+          <a:lstStyle/>
+          <a:p>
+            <a:pPr algn="ctr"/>
+            <a:r>
+              <a:rPr lang="fr-BE" sz="3200" dirty="0"/>
+              <a:t>Module de </a:t>
+            </a:r>
+            <a:r>
+              <a:rPr lang="fr-BE" sz="3200" dirty="0" err="1"/>
+              <a:t>detection</a:t>
+            </a:r>
+            <a:r>
+              <a:rPr lang="fr-BE" sz="3200" dirty="0"/>
+              <a:t> de fraude migré en .NET</a:t>
+            </a:r>
+          </a:p>
+        </p:txBody>
+      </p:sp>
+      <p:cxnSp>
+        <p:nvCxnSpPr>
+          <p:cNvPr id="20" name="Connector: Curved 19">
+            <a:extLst>
+              <a:ext uri="{FF2B5EF4-FFF2-40B4-BE49-F238E27FC236}">
+                <a16:creationId xmlns:a16="http://schemas.microsoft.com/office/drawing/2014/main" id="{DD4D9679-E317-4C49-9993-6A717731FDFF}"/>
+              </a:ext>
+            </a:extLst>
+          </p:cNvPr>
+          <p:cNvCxnSpPr>
+            <a:cxnSpLocks/>
+            <a:stCxn id="19" idx="3"/>
+          </p:cNvCxnSpPr>
+          <p:nvPr/>
+        </p:nvCxnSpPr>
+        <p:spPr>
+          <a:xfrm>
+            <a:off x="8303491" y="3131127"/>
+            <a:ext cx="837047" cy="297873"/>
+          </a:xfrm>
+          <a:prstGeom prst="curvedConnector3">
+            <a:avLst/>
+          </a:prstGeom>
+          <a:ln w="57150">
+            <a:headEnd type="none" w="med" len="med"/>
+            <a:tailEnd type="triangle" w="med" len="med"/>
+          </a:ln>
+        </p:spPr>
+        <p:style>
+          <a:lnRef idx="3">
+            <a:schemeClr val="accent6"/>
+          </a:lnRef>
+          <a:fillRef idx="0">
+            <a:schemeClr val="accent6"/>
+          </a:fillRef>
+          <a:effectRef idx="2">
+            <a:schemeClr val="accent6"/>
+          </a:effectRef>
+          <a:fontRef idx="minor">
+            <a:schemeClr val="tx1"/>
+          </a:fontRef>
+        </p:style>
+      </p:cxnSp>
+      <p:cxnSp>
+        <p:nvCxnSpPr>
+          <p:cNvPr id="21" name="Connector: Curved 20">
+            <a:extLst>
+              <a:ext uri="{FF2B5EF4-FFF2-40B4-BE49-F238E27FC236}">
+                <a16:creationId xmlns:a16="http://schemas.microsoft.com/office/drawing/2014/main" id="{735AD5F0-CC27-4DDF-B9F3-BFB7091AC05E}"/>
+              </a:ext>
+            </a:extLst>
+          </p:cNvPr>
+          <p:cNvCxnSpPr>
+            <a:cxnSpLocks/>
+            <a:stCxn id="31" idx="3"/>
+          </p:cNvCxnSpPr>
+          <p:nvPr/>
+        </p:nvCxnSpPr>
+        <p:spPr>
+          <a:xfrm flipV="1">
+            <a:off x="8303491" y="4470400"/>
+            <a:ext cx="837047" cy="337127"/>
+          </a:xfrm>
+          <a:prstGeom prst="curvedConnector3">
+            <a:avLst/>
+          </a:prstGeom>
+          <a:ln w="57150">
+            <a:headEnd type="none" w="med" len="med"/>
+            <a:tailEnd type="triangle" w="med" len="med"/>
+          </a:ln>
+        </p:spPr>
+        <p:style>
+          <a:lnRef idx="3">
+            <a:schemeClr val="accent6"/>
+          </a:lnRef>
+          <a:fillRef idx="0">
+            <a:schemeClr val="accent6"/>
+          </a:fillRef>
+          <a:effectRef idx="2">
+            <a:schemeClr val="accent6"/>
+          </a:effectRef>
+          <a:fontRef idx="minor">
+            <a:schemeClr val="tx1"/>
+          </a:fontRef>
+        </p:style>
+      </p:cxnSp>
     </p:spTree>
     <p:extLst>
       <p:ext uri="{BB962C8B-B14F-4D97-AF65-F5344CB8AC3E}">
-        <p14:creationId xmlns:p14="http://schemas.microsoft.com/office/powerpoint/2010/main" val="1890935349"/>
+        <p14:creationId xmlns:p14="http://schemas.microsoft.com/office/powerpoint/2010/main" val="2635296725"/>
       </p:ext>
     </p:extLst>
   </p:cSld>
@@ -4892,7 +5587,7 @@
             <a:pPr algn="ctr"/>
             <a:r>
               <a:rPr lang="fr-BE" sz="6000" dirty="0"/>
-              <a:t>La migration: comparaison</a:t>
+              <a:t>La migration: arrivée</a:t>
             </a:r>
           </a:p>
         </p:txBody>
@@ -4938,12 +5633,8 @@
           <a:p>
             <a:pPr algn="ctr"/>
             <a:r>
-              <a:rPr lang="en-GB" sz="3200" dirty="0" err="1"/>
-              <a:t>Plateforme</a:t>
-            </a:r>
-            <a:r>
               <a:rPr lang="en-GB" sz="3200" dirty="0"/>
-              <a:t> ASP</a:t>
+              <a:t>ASP</a:t>
             </a:r>
           </a:p>
         </p:txBody>
@@ -5154,7 +5845,7 @@
         <p:spPr>
           <a:xfrm>
             <a:off x="6991927" y="2558472"/>
-            <a:ext cx="1311564" cy="1145310"/>
+            <a:ext cx="181267" cy="1145310"/>
           </a:xfrm>
           <a:prstGeom prst="roundRect">
             <a:avLst/>
@@ -5374,7 +6065,7 @@
         <p:spPr>
           <a:xfrm>
             <a:off x="6991927" y="4234872"/>
-            <a:ext cx="1311564" cy="1145310"/>
+            <a:ext cx="181267" cy="1145310"/>
           </a:xfrm>
           <a:prstGeom prst="roundRect">
             <a:avLst/>
@@ -5574,33 +6265,63 @@
           <a:p>
             <a:pPr algn="ctr"/>
             <a:r>
-              <a:rPr lang="en-GB" sz="3200" dirty="0"/>
-              <a:t>Module de detection de </a:t>
-            </a:r>
-            <a:r>
-              <a:rPr lang="en-GB" sz="3200" dirty="0" err="1"/>
-              <a:t>fraude</a:t>
-            </a:r>
-            <a:r>
-              <a:rPr lang="en-GB" sz="3200" dirty="0"/>
-              <a:t> </a:t>
-            </a:r>
-            <a:r>
-              <a:rPr lang="en-GB" sz="3200" dirty="0" err="1"/>
-              <a:t>migré</a:t>
-            </a:r>
-            <a:r>
-              <a:rPr lang="en-GB" sz="3200" dirty="0"/>
-              <a:t> </a:t>
-            </a:r>
-            <a:r>
-              <a:rPr lang="en-GB" sz="3200" dirty="0" err="1"/>
-              <a:t>en</a:t>
-            </a:r>
-            <a:r>
-              <a:rPr lang="en-GB" sz="3200" dirty="0"/>
-              <a:t> .NET</a:t>
-            </a:r>
+              <a:rPr lang="fr-BE" sz="3200" dirty="0"/>
+              <a:t>Module de </a:t>
+            </a:r>
+            <a:r>
+              <a:rPr lang="fr-BE" sz="3200" dirty="0" err="1"/>
+              <a:t>detection</a:t>
+            </a:r>
+            <a:r>
+              <a:rPr lang="fr-BE" sz="3200" dirty="0"/>
+              <a:t> de fraude migré en .NET</a:t>
+            </a:r>
+          </a:p>
+        </p:txBody>
+      </p:sp>
+      <p:sp>
+        <p:nvSpPr>
+          <p:cNvPr id="11" name="Rectangle 10">
+            <a:extLst>
+              <a:ext uri="{FF2B5EF4-FFF2-40B4-BE49-F238E27FC236}">
+                <a16:creationId xmlns:a16="http://schemas.microsoft.com/office/drawing/2014/main" id="{A113FC49-C8BF-4CC7-AE8D-1608F67CEEAF}"/>
+              </a:ext>
+            </a:extLst>
+          </p:cNvPr>
+          <p:cNvSpPr/>
+          <p:nvPr/>
+        </p:nvSpPr>
+        <p:spPr>
+          <a:xfrm>
+            <a:off x="7199746" y="2558471"/>
+            <a:ext cx="1103745" cy="1145311"/>
+          </a:xfrm>
+          <a:prstGeom prst="rect">
+            <a:avLst/>
+          </a:prstGeom>
+        </p:spPr>
+        <p:style>
+          <a:lnRef idx="2">
+            <a:schemeClr val="dk1">
+              <a:shade val="50000"/>
+            </a:schemeClr>
+          </a:lnRef>
+          <a:fillRef idx="1">
+            <a:schemeClr val="dk1"/>
+          </a:fillRef>
+          <a:effectRef idx="0">
+            <a:schemeClr val="dk1"/>
+          </a:effectRef>
+          <a:fontRef idx="minor">
+            <a:schemeClr val="lt1"/>
+          </a:fontRef>
+        </p:style>
+        <p:txBody>
+          <a:bodyPr rtlCol="0" anchor="ctr"/>
+          <a:lstStyle/>
+          <a:p>
+            <a:pPr algn="ctr"/>
+            <a:endParaRPr lang="en-GB"/>
           </a:p>
         </p:txBody>
       </p:sp>
@@ -5621,8 +6342,8 @@
         </p:nvCxnSpPr>
         <p:spPr>
           <a:xfrm>
-            <a:off x="8303491" y="3131127"/>
-            <a:ext cx="837047" cy="297873"/>
+            <a:off x="7173194" y="3131127"/>
+            <a:ext cx="1967344" cy="297873"/>
           </a:xfrm>
           <a:prstGeom prst="curvedConnector3">
             <a:avLst/>
@@ -5647,6 +6368,52 @@
           </a:fontRef>
         </p:style>
       </p:cxnSp>
+      <p:sp>
+        <p:nvSpPr>
+          <p:cNvPr id="24" name="Rectangle 23">
+            <a:extLst>
+              <a:ext uri="{FF2B5EF4-FFF2-40B4-BE49-F238E27FC236}">
+                <a16:creationId xmlns:a16="http://schemas.microsoft.com/office/drawing/2014/main" id="{5F52F07D-30F6-47D7-9B1E-204B9CE19DD4}"/>
+              </a:ext>
+            </a:extLst>
+          </p:cNvPr>
+          <p:cNvSpPr/>
+          <p:nvPr/>
+        </p:nvSpPr>
+        <p:spPr>
+          <a:xfrm>
+            <a:off x="7204370" y="4244107"/>
+            <a:ext cx="1103745" cy="1145311"/>
+          </a:xfrm>
+          <a:prstGeom prst="rect">
+            <a:avLst/>
+          </a:prstGeom>
+        </p:spPr>
+        <p:style>
+          <a:lnRef idx="2">
+            <a:schemeClr val="dk1">
+              <a:shade val="50000"/>
+            </a:schemeClr>
+          </a:lnRef>
+          <a:fillRef idx="1">
+            <a:schemeClr val="dk1"/>
+          </a:fillRef>
+          <a:effectRef idx="0">
+            <a:schemeClr val="dk1"/>
+          </a:effectRef>
+          <a:fontRef idx="minor">
+            <a:schemeClr val="lt1"/>
+          </a:fontRef>
+        </p:style>
+        <p:txBody>
+          <a:bodyPr rtlCol="0" anchor="ctr"/>
+          <a:lstStyle/>
+          <a:p>
+            <a:pPr algn="ctr"/>
+            <a:endParaRPr lang="en-GB"/>
+          </a:p>
+        </p:txBody>
+      </p:sp>
       <p:cxnSp>
         <p:nvCxnSpPr>
           <p:cNvPr id="21" name="Connector: Curved 20">
@@ -5664,8 +6431,8 @@
         </p:nvCxnSpPr>
         <p:spPr>
           <a:xfrm flipV="1">
-            <a:off x="8303491" y="4470400"/>
-            <a:ext cx="837047" cy="337127"/>
+            <a:off x="7173194" y="4470401"/>
+            <a:ext cx="1967344" cy="337126"/>
           </a:xfrm>
           <a:prstGeom prst="curvedConnector3">
             <a:avLst/>
@@ -5693,7 +6460,7 @@
     </p:spTree>
     <p:extLst>
       <p:ext uri="{BB962C8B-B14F-4D97-AF65-F5344CB8AC3E}">
-        <p14:creationId xmlns:p14="http://schemas.microsoft.com/office/powerpoint/2010/main" val="2635296725"/>
+        <p14:creationId xmlns:p14="http://schemas.microsoft.com/office/powerpoint/2010/main" val="1751977912"/>
       </p:ext>
     </p:extLst>
   </p:cSld>
@@ -5722,10 +6489,243 @@
       </p:grpSpPr>
       <p:sp>
         <p:nvSpPr>
-          <p:cNvPr id="2" name="Title 1">
-            <a:extLst>
-              <a:ext uri="{FF2B5EF4-FFF2-40B4-BE49-F238E27FC236}">
-                <a16:creationId xmlns:a16="http://schemas.microsoft.com/office/drawing/2014/main" id="{C62024BB-705D-4B40-9210-BD05C34BED5C}"/>
+          <p:cNvPr id="4" name="Rectangle: Rounded Corners 3">
+            <a:extLst>
+              <a:ext uri="{FF2B5EF4-FFF2-40B4-BE49-F238E27FC236}">
+                <a16:creationId xmlns:a16="http://schemas.microsoft.com/office/drawing/2014/main" id="{03FF9B5D-996E-43C8-A134-F1759836F111}"/>
+              </a:ext>
+            </a:extLst>
+          </p:cNvPr>
+          <p:cNvSpPr/>
+          <p:nvPr/>
+        </p:nvSpPr>
+        <p:spPr>
+          <a:xfrm>
+            <a:off x="748147" y="1533668"/>
+            <a:ext cx="1874980" cy="1738313"/>
+          </a:xfrm>
+          <a:prstGeom prst="roundRect">
+            <a:avLst/>
+          </a:prstGeom>
+        </p:spPr>
+        <p:style>
+          <a:lnRef idx="3">
+            <a:schemeClr val="lt1"/>
+          </a:lnRef>
+          <a:fillRef idx="1">
+            <a:schemeClr val="accent1"/>
+          </a:fillRef>
+          <a:effectRef idx="1">
+            <a:schemeClr val="accent1"/>
+          </a:effectRef>
+          <a:fontRef idx="minor">
+            <a:schemeClr val="lt1"/>
+          </a:fontRef>
+        </p:style>
+        <p:txBody>
+          <a:bodyPr rtlCol="0" anchor="ctr" anchorCtr="0"/>
+          <a:lstStyle/>
+          <a:p>
+            <a:pPr algn="ctr"/>
+            <a:r>
+              <a:rPr lang="en-GB" sz="3200" dirty="0"/>
+              <a:t>ASP</a:t>
+            </a:r>
+          </a:p>
+        </p:txBody>
+      </p:sp>
+      <p:sp>
+        <p:nvSpPr>
+          <p:cNvPr id="5" name="Rectangle: Rounded Corners 4">
+            <a:extLst>
+              <a:ext uri="{FF2B5EF4-FFF2-40B4-BE49-F238E27FC236}">
+                <a16:creationId xmlns:a16="http://schemas.microsoft.com/office/drawing/2014/main" id="{460FEBE7-6487-4455-B9E4-1F41D2A1B3A2}"/>
+              </a:ext>
+            </a:extLst>
+          </p:cNvPr>
+          <p:cNvSpPr/>
+          <p:nvPr/>
+        </p:nvSpPr>
+        <p:spPr>
+          <a:xfrm>
+            <a:off x="8474364" y="1533667"/>
+            <a:ext cx="3260436" cy="1738313"/>
+          </a:xfrm>
+          <a:prstGeom prst="roundRect">
+            <a:avLst/>
+          </a:prstGeom>
+        </p:spPr>
+        <p:style>
+          <a:lnRef idx="3">
+            <a:schemeClr val="lt1"/>
+          </a:lnRef>
+          <a:fillRef idx="1">
+            <a:schemeClr val="accent6"/>
+          </a:fillRef>
+          <a:effectRef idx="1">
+            <a:schemeClr val="accent6"/>
+          </a:effectRef>
+          <a:fontRef idx="minor">
+            <a:schemeClr val="lt1"/>
+          </a:fontRef>
+        </p:style>
+        <p:txBody>
+          <a:bodyPr rtlCol="0" anchor="ctr" anchorCtr="0"/>
+          <a:lstStyle/>
+          <a:p>
+            <a:pPr algn="ctr"/>
+            <a:r>
+              <a:rPr lang="fr-BE" sz="3200" dirty="0"/>
+              <a:t>Système externe</a:t>
+            </a:r>
+          </a:p>
+        </p:txBody>
+      </p:sp>
+      <p:sp>
+        <p:nvSpPr>
+          <p:cNvPr id="6" name="Rectangle: Rounded Corners 5">
+            <a:extLst>
+              <a:ext uri="{FF2B5EF4-FFF2-40B4-BE49-F238E27FC236}">
+                <a16:creationId xmlns:a16="http://schemas.microsoft.com/office/drawing/2014/main" id="{0FA73245-B24B-4215-9297-ED931AE0240E}"/>
+              </a:ext>
+            </a:extLst>
+          </p:cNvPr>
+          <p:cNvSpPr/>
+          <p:nvPr/>
+        </p:nvSpPr>
+        <p:spPr>
+          <a:xfrm>
+            <a:off x="4509656" y="1533668"/>
+            <a:ext cx="2066636" cy="1738313"/>
+          </a:xfrm>
+          <a:prstGeom prst="roundRect">
+            <a:avLst/>
+          </a:prstGeom>
+        </p:spPr>
+        <p:style>
+          <a:lnRef idx="3">
+            <a:schemeClr val="lt1"/>
+          </a:lnRef>
+          <a:fillRef idx="1">
+            <a:schemeClr val="accent1"/>
+          </a:fillRef>
+          <a:effectRef idx="1">
+            <a:schemeClr val="accent1"/>
+          </a:effectRef>
+          <a:fontRef idx="minor">
+            <a:schemeClr val="lt1"/>
+          </a:fontRef>
+        </p:style>
+        <p:txBody>
+          <a:bodyPr rtlCol="0" anchor="ctr" anchorCtr="0"/>
+          <a:lstStyle/>
+          <a:p>
+            <a:pPr algn="ctr"/>
+            <a:r>
+              <a:rPr lang="en-GB" sz="3200" dirty="0"/>
+              <a:t>COM+</a:t>
+            </a:r>
+          </a:p>
+        </p:txBody>
+      </p:sp>
+      <p:cxnSp>
+        <p:nvCxnSpPr>
+          <p:cNvPr id="7" name="Connector: Curved 6">
+            <a:extLst>
+              <a:ext uri="{FF2B5EF4-FFF2-40B4-BE49-F238E27FC236}">
+                <a16:creationId xmlns:a16="http://schemas.microsoft.com/office/drawing/2014/main" id="{180ED502-E1DE-4B63-8B00-51A17A932B7D}"/>
+              </a:ext>
+            </a:extLst>
+          </p:cNvPr>
+          <p:cNvCxnSpPr>
+            <a:cxnSpLocks/>
+            <a:stCxn id="4" idx="3"/>
+            <a:endCxn id="6" idx="1"/>
+          </p:cNvCxnSpPr>
+          <p:nvPr/>
+        </p:nvCxnSpPr>
+        <p:spPr>
+          <a:xfrm>
+            <a:off x="2623127" y="2402825"/>
+            <a:ext cx="1886529" cy="12700"/>
+          </a:xfrm>
+          <a:prstGeom prst="curvedConnector3">
+            <a:avLst>
+              <a:gd name="adj1" fmla="val 50000"/>
+            </a:avLst>
+          </a:prstGeom>
+          <a:ln w="57150">
+            <a:headEnd type="none" w="med" len="med"/>
+            <a:tailEnd type="arrow" w="med" len="med"/>
+          </a:ln>
+        </p:spPr>
+        <p:style>
+          <a:lnRef idx="3">
+            <a:schemeClr val="accent6"/>
+          </a:lnRef>
+          <a:fillRef idx="0">
+            <a:schemeClr val="accent6"/>
+          </a:fillRef>
+          <a:effectRef idx="2">
+            <a:schemeClr val="accent6"/>
+          </a:effectRef>
+          <a:fontRef idx="minor">
+            <a:schemeClr val="tx1"/>
+          </a:fontRef>
+        </p:style>
+      </p:cxnSp>
+      <p:cxnSp>
+        <p:nvCxnSpPr>
+          <p:cNvPr id="10" name="Connector: Curved 9">
+            <a:extLst>
+              <a:ext uri="{FF2B5EF4-FFF2-40B4-BE49-F238E27FC236}">
+                <a16:creationId xmlns:a16="http://schemas.microsoft.com/office/drawing/2014/main" id="{4385AAB3-4049-4802-8E2C-34E0B842A82A}"/>
+              </a:ext>
+            </a:extLst>
+          </p:cNvPr>
+          <p:cNvCxnSpPr>
+            <a:cxnSpLocks/>
+            <a:stCxn id="6" idx="3"/>
+            <a:endCxn id="5" idx="1"/>
+          </p:cNvCxnSpPr>
+          <p:nvPr/>
+        </p:nvCxnSpPr>
+        <p:spPr>
+          <a:xfrm flipV="1">
+            <a:off x="6576292" y="2402824"/>
+            <a:ext cx="1898072" cy="1"/>
+          </a:xfrm>
+          <a:prstGeom prst="curvedConnector3">
+            <a:avLst>
+              <a:gd name="adj1" fmla="val 50000"/>
+            </a:avLst>
+          </a:prstGeom>
+          <a:ln w="57150">
+            <a:headEnd type="none" w="med" len="med"/>
+            <a:tailEnd type="arrow" w="med" len="med"/>
+          </a:ln>
+        </p:spPr>
+        <p:style>
+          <a:lnRef idx="3">
+            <a:schemeClr val="accent6"/>
+          </a:lnRef>
+          <a:fillRef idx="0">
+            <a:schemeClr val="accent6"/>
+          </a:fillRef>
+          <a:effectRef idx="2">
+            <a:schemeClr val="accent6"/>
+          </a:effectRef>
+          <a:fontRef idx="minor">
+            <a:schemeClr val="tx1"/>
+          </a:fontRef>
+        </p:style>
+      </p:cxnSp>
+      <p:sp>
+        <p:nvSpPr>
+          <p:cNvPr id="18" name="Title 1">
+            <a:extLst>
+              <a:ext uri="{FF2B5EF4-FFF2-40B4-BE49-F238E27FC236}">
+                <a16:creationId xmlns:a16="http://schemas.microsoft.com/office/drawing/2014/main" id="{C0BE5FBD-A293-4AA1-A37A-740585D5D84E}"/>
               </a:ext>
             </a:extLst>
           </p:cNvPr>
@@ -5736,7 +6736,12 @@
             <p:ph type="title"/>
           </p:nvPr>
         </p:nvSpPr>
-        <p:spPr/>
+        <p:spPr>
+          <a:xfrm>
+            <a:off x="838200" y="365125"/>
+            <a:ext cx="10515600" cy="1325563"/>
+          </a:xfrm>
+        </p:spPr>
         <p:txBody>
           <a:bodyPr>
             <a:normAutofit/>
@@ -5746,785 +6751,38 @@
             <a:pPr algn="ctr"/>
             <a:r>
               <a:rPr lang="fr-BE" sz="6000" dirty="0"/>
-              <a:t>La migration: arrivée</a:t>
-            </a:r>
-          </a:p>
-        </p:txBody>
-      </p:sp>
-      <p:sp>
-        <p:nvSpPr>
-          <p:cNvPr id="6" name="Rectangle: Rounded Corners 5">
-            <a:extLst>
-              <a:ext uri="{FF2B5EF4-FFF2-40B4-BE49-F238E27FC236}">
-                <a16:creationId xmlns:a16="http://schemas.microsoft.com/office/drawing/2014/main" id="{B9317F49-49D1-4A62-B978-05479CF7FC24}"/>
-              </a:ext>
-            </a:extLst>
-          </p:cNvPr>
-          <p:cNvSpPr/>
-          <p:nvPr/>
-        </p:nvSpPr>
-        <p:spPr>
-          <a:xfrm>
-            <a:off x="1560946" y="1690687"/>
-            <a:ext cx="6742545" cy="4312949"/>
-          </a:xfrm>
-          <a:prstGeom prst="roundRect">
-            <a:avLst/>
-          </a:prstGeom>
-        </p:spPr>
-        <p:style>
-          <a:lnRef idx="3">
-            <a:schemeClr val="lt1"/>
-          </a:lnRef>
-          <a:fillRef idx="1">
-            <a:schemeClr val="accent1"/>
-          </a:fillRef>
-          <a:effectRef idx="1">
-            <a:schemeClr val="accent1"/>
-          </a:effectRef>
-          <a:fontRef idx="minor">
-            <a:schemeClr val="lt1"/>
-          </a:fontRef>
-        </p:style>
-        <p:txBody>
-          <a:bodyPr rtlCol="0" anchor="t" anchorCtr="0"/>
-          <a:lstStyle/>
-          <a:p>
-            <a:pPr algn="ctr"/>
-            <a:r>
-              <a:rPr lang="en-GB" sz="3200" dirty="0" err="1"/>
-              <a:t>Plateforme</a:t>
-            </a:r>
-            <a:r>
-              <a:rPr lang="en-GB" sz="3200" dirty="0"/>
-              <a:t> ASP</a:t>
-            </a:r>
-          </a:p>
-        </p:txBody>
-      </p:sp>
-      <p:sp>
-        <p:nvSpPr>
-          <p:cNvPr id="4" name="Rectangle: Rounded Corners 3">
-            <a:extLst>
-              <a:ext uri="{FF2B5EF4-FFF2-40B4-BE49-F238E27FC236}">
-                <a16:creationId xmlns:a16="http://schemas.microsoft.com/office/drawing/2014/main" id="{C4A1BCCC-45C8-4BB7-8E7C-2E2E1E3B9C91}"/>
-              </a:ext>
-            </a:extLst>
-          </p:cNvPr>
-          <p:cNvSpPr/>
-          <p:nvPr/>
-        </p:nvSpPr>
-        <p:spPr>
-          <a:xfrm>
-            <a:off x="1560946" y="6160757"/>
-            <a:ext cx="3556001" cy="431064"/>
-          </a:xfrm>
-          <a:prstGeom prst="roundRect">
-            <a:avLst/>
-          </a:prstGeom>
-        </p:spPr>
-        <p:style>
-          <a:lnRef idx="3">
-            <a:schemeClr val="lt1"/>
-          </a:lnRef>
-          <a:fillRef idx="1">
-            <a:schemeClr val="accent2"/>
-          </a:fillRef>
-          <a:effectRef idx="1">
-            <a:schemeClr val="accent2"/>
-          </a:effectRef>
-          <a:fontRef idx="minor">
-            <a:schemeClr val="lt1"/>
-          </a:fontRef>
-        </p:style>
-        <p:txBody>
-          <a:bodyPr rtlCol="0" anchor="ctr"/>
-          <a:lstStyle/>
-          <a:p>
-            <a:pPr algn="ctr"/>
-            <a:r>
-              <a:rPr lang="en-GB" dirty="0"/>
-              <a:t>Code de detection de la </a:t>
-            </a:r>
-            <a:r>
-              <a:rPr lang="en-GB" dirty="0" err="1"/>
-              <a:t>fraude</a:t>
-            </a:r>
-            <a:endParaRPr lang="en-GB" dirty="0"/>
-          </a:p>
-        </p:txBody>
-      </p:sp>
-      <p:sp>
-        <p:nvSpPr>
-          <p:cNvPr id="8" name="Rectangle: Rounded Corners 7">
-            <a:extLst>
-              <a:ext uri="{FF2B5EF4-FFF2-40B4-BE49-F238E27FC236}">
-                <a16:creationId xmlns:a16="http://schemas.microsoft.com/office/drawing/2014/main" id="{2BD23B39-CCEB-4515-BEA4-3653EB64FBFB}"/>
-              </a:ext>
-            </a:extLst>
-          </p:cNvPr>
-          <p:cNvSpPr/>
-          <p:nvPr/>
-        </p:nvSpPr>
-        <p:spPr>
-          <a:xfrm>
-            <a:off x="5430983" y="6159308"/>
-            <a:ext cx="2872508" cy="432512"/>
-          </a:xfrm>
-          <a:prstGeom prst="roundRect">
-            <a:avLst/>
-          </a:prstGeom>
-        </p:spPr>
-        <p:style>
-          <a:lnRef idx="3">
-            <a:schemeClr val="lt1"/>
-          </a:lnRef>
-          <a:fillRef idx="1">
-            <a:schemeClr val="accent3"/>
-          </a:fillRef>
-          <a:effectRef idx="1">
-            <a:schemeClr val="accent3"/>
-          </a:effectRef>
-          <a:fontRef idx="minor">
-            <a:schemeClr val="lt1"/>
-          </a:fontRef>
-        </p:style>
-        <p:txBody>
-          <a:bodyPr rtlCol="0" anchor="ctr"/>
-          <a:lstStyle/>
-          <a:p>
-            <a:pPr algn="ctr"/>
-            <a:r>
-              <a:rPr lang="en-GB" dirty="0" err="1"/>
-              <a:t>Autre</a:t>
-            </a:r>
-            <a:r>
-              <a:rPr lang="en-GB" dirty="0"/>
-              <a:t> code</a:t>
-            </a:r>
-          </a:p>
-        </p:txBody>
-      </p:sp>
-      <p:sp>
-        <p:nvSpPr>
-          <p:cNvPr id="5" name="Rectangle: Rounded Corners 4">
-            <a:extLst>
-              <a:ext uri="{FF2B5EF4-FFF2-40B4-BE49-F238E27FC236}">
-                <a16:creationId xmlns:a16="http://schemas.microsoft.com/office/drawing/2014/main" id="{20783059-6162-405F-8413-96C91793992D}"/>
-              </a:ext>
-            </a:extLst>
-          </p:cNvPr>
-          <p:cNvSpPr/>
-          <p:nvPr/>
-        </p:nvSpPr>
-        <p:spPr>
-          <a:xfrm>
-            <a:off x="2041238" y="2558473"/>
-            <a:ext cx="1311564" cy="378691"/>
-          </a:xfrm>
-          <a:prstGeom prst="roundRect">
-            <a:avLst/>
-          </a:prstGeom>
-        </p:spPr>
-        <p:style>
-          <a:lnRef idx="3">
-            <a:schemeClr val="lt1"/>
-          </a:lnRef>
-          <a:fillRef idx="1">
-            <a:schemeClr val="accent3"/>
-          </a:fillRef>
-          <a:effectRef idx="1">
-            <a:schemeClr val="accent3"/>
-          </a:effectRef>
-          <a:fontRef idx="minor">
-            <a:schemeClr val="lt1"/>
-          </a:fontRef>
-        </p:style>
-        <p:txBody>
-          <a:bodyPr rtlCol="0" anchor="ctr"/>
-          <a:lstStyle/>
-          <a:p>
-            <a:pPr algn="ctr"/>
-            <a:endParaRPr lang="en-GB"/>
-          </a:p>
-        </p:txBody>
-      </p:sp>
-      <p:sp>
-        <p:nvSpPr>
-          <p:cNvPr id="18" name="Rectangle: Rounded Corners 17">
-            <a:extLst>
-              <a:ext uri="{FF2B5EF4-FFF2-40B4-BE49-F238E27FC236}">
-                <a16:creationId xmlns:a16="http://schemas.microsoft.com/office/drawing/2014/main" id="{B0D73E2F-750C-4B5D-98FB-58669CEC54A7}"/>
-              </a:ext>
-            </a:extLst>
-          </p:cNvPr>
-          <p:cNvSpPr/>
-          <p:nvPr/>
-        </p:nvSpPr>
-        <p:spPr>
-          <a:xfrm>
-            <a:off x="2397993" y="4209688"/>
-            <a:ext cx="1311564" cy="378691"/>
-          </a:xfrm>
-          <a:prstGeom prst="roundRect">
-            <a:avLst/>
-          </a:prstGeom>
-        </p:spPr>
-        <p:style>
-          <a:lnRef idx="3">
-            <a:schemeClr val="lt1"/>
-          </a:lnRef>
-          <a:fillRef idx="1">
-            <a:schemeClr val="accent3"/>
-          </a:fillRef>
-          <a:effectRef idx="1">
-            <a:schemeClr val="accent3"/>
-          </a:effectRef>
-          <a:fontRef idx="minor">
-            <a:schemeClr val="lt1"/>
-          </a:fontRef>
-        </p:style>
-        <p:txBody>
-          <a:bodyPr rtlCol="0" anchor="ctr"/>
-          <a:lstStyle/>
-          <a:p>
-            <a:pPr algn="ctr"/>
-            <a:endParaRPr lang="en-GB"/>
-          </a:p>
-        </p:txBody>
-      </p:sp>
-      <p:sp>
-        <p:nvSpPr>
-          <p:cNvPr id="19" name="Rectangle: Rounded Corners 18">
-            <a:extLst>
-              <a:ext uri="{FF2B5EF4-FFF2-40B4-BE49-F238E27FC236}">
-                <a16:creationId xmlns:a16="http://schemas.microsoft.com/office/drawing/2014/main" id="{F6A414A1-E684-43AD-99AD-BAA98C6EC4B2}"/>
-              </a:ext>
-            </a:extLst>
-          </p:cNvPr>
-          <p:cNvSpPr/>
-          <p:nvPr/>
-        </p:nvSpPr>
-        <p:spPr>
-          <a:xfrm>
-            <a:off x="8122224" y="2558472"/>
-            <a:ext cx="181267" cy="1145310"/>
-          </a:xfrm>
-          <a:prstGeom prst="roundRect">
-            <a:avLst/>
-          </a:prstGeom>
-        </p:spPr>
-        <p:style>
-          <a:lnRef idx="3">
-            <a:schemeClr val="lt1"/>
-          </a:lnRef>
-          <a:fillRef idx="1">
-            <a:schemeClr val="accent2"/>
-          </a:fillRef>
-          <a:effectRef idx="1">
-            <a:schemeClr val="accent2"/>
-          </a:effectRef>
-          <a:fontRef idx="minor">
-            <a:schemeClr val="lt1"/>
-          </a:fontRef>
-        </p:style>
-        <p:txBody>
-          <a:bodyPr rtlCol="0" anchor="ctr"/>
-          <a:lstStyle/>
-          <a:p>
-            <a:pPr algn="ctr"/>
-            <a:endParaRPr lang="en-GB"/>
+              <a:t>Appel externe</a:t>
+            </a:r>
           </a:p>
         </p:txBody>
       </p:sp>
       <p:cxnSp>
         <p:nvCxnSpPr>
-          <p:cNvPr id="33" name="Connector: Curved 32">
-            <a:extLst>
-              <a:ext uri="{FF2B5EF4-FFF2-40B4-BE49-F238E27FC236}">
-                <a16:creationId xmlns:a16="http://schemas.microsoft.com/office/drawing/2014/main" id="{0AFF80CB-534F-423B-ADC1-A9EC0495DA21}"/>
+          <p:cNvPr id="19" name="Connector: Curved 18">
+            <a:extLst>
+              <a:ext uri="{FF2B5EF4-FFF2-40B4-BE49-F238E27FC236}">
+                <a16:creationId xmlns:a16="http://schemas.microsoft.com/office/drawing/2014/main" id="{FC220EDE-6712-41F2-9C27-53E12A3D7152}"/>
               </a:ext>
             </a:extLst>
           </p:cNvPr>
           <p:cNvCxnSpPr>
             <a:cxnSpLocks/>
-            <a:stCxn id="5" idx="3"/>
           </p:cNvCxnSpPr>
           <p:nvPr/>
         </p:nvCxnSpPr>
         <p:spPr>
           <a:xfrm>
-            <a:off x="3352802" y="2747819"/>
-            <a:ext cx="4769422" cy="290021"/>
-          </a:xfrm>
-          <a:prstGeom prst="curvedConnector3">
-            <a:avLst/>
-          </a:prstGeom>
-          <a:ln w="28575">
-            <a:headEnd type="none" w="med" len="med"/>
-            <a:tailEnd type="arrow" w="med" len="med"/>
-          </a:ln>
-        </p:spPr>
-        <p:style>
-          <a:lnRef idx="3">
-            <a:schemeClr val="dk1"/>
-          </a:lnRef>
-          <a:fillRef idx="0">
-            <a:schemeClr val="dk1"/>
-          </a:fillRef>
-          <a:effectRef idx="2">
-            <a:schemeClr val="dk1"/>
-          </a:effectRef>
-          <a:fontRef idx="minor">
-            <a:schemeClr val="tx1"/>
-          </a:fontRef>
-        </p:style>
-      </p:cxnSp>
-      <p:cxnSp>
-        <p:nvCxnSpPr>
-          <p:cNvPr id="36" name="Connector: Curved 35">
-            <a:extLst>
-              <a:ext uri="{FF2B5EF4-FFF2-40B4-BE49-F238E27FC236}">
-                <a16:creationId xmlns:a16="http://schemas.microsoft.com/office/drawing/2014/main" id="{9717255C-348B-4575-91EB-82FA514B8CCA}"/>
-              </a:ext>
-            </a:extLst>
-          </p:cNvPr>
-          <p:cNvCxnSpPr>
-            <a:cxnSpLocks/>
-            <a:endCxn id="18" idx="3"/>
-          </p:cNvCxnSpPr>
-          <p:nvPr/>
-        </p:nvCxnSpPr>
-        <p:spPr>
-          <a:xfrm rot="10800000">
-            <a:off x="3709558" y="4399034"/>
-            <a:ext cx="4412667" cy="691126"/>
+            <a:off x="0" y="2402823"/>
+            <a:ext cx="748147" cy="2"/>
           </a:xfrm>
           <a:prstGeom prst="curvedConnector3">
             <a:avLst>
               <a:gd name="adj1" fmla="val 50000"/>
             </a:avLst>
           </a:prstGeom>
-          <a:ln w="28575">
+          <a:ln w="57150">
             <a:headEnd type="none" w="med" len="med"/>
             <a:tailEnd type="arrow" w="med" len="med"/>
-          </a:ln>
-        </p:spPr>
-        <p:style>
-          <a:lnRef idx="3">
-            <a:schemeClr val="dk1"/>
-          </a:lnRef>
-          <a:fillRef idx="0">
-            <a:schemeClr val="dk1"/>
-          </a:fillRef>
-          <a:effectRef idx="2">
-            <a:schemeClr val="dk1"/>
-          </a:effectRef>
-          <a:fontRef idx="minor">
-            <a:schemeClr val="tx1"/>
-          </a:fontRef>
-        </p:style>
-      </p:cxnSp>
-      <p:cxnSp>
-        <p:nvCxnSpPr>
-          <p:cNvPr id="48" name="Connector: Curved 47">
-            <a:extLst>
-              <a:ext uri="{FF2B5EF4-FFF2-40B4-BE49-F238E27FC236}">
-                <a16:creationId xmlns:a16="http://schemas.microsoft.com/office/drawing/2014/main" id="{935CD4C7-34B4-49F1-8748-FCA0178AE273}"/>
-              </a:ext>
-            </a:extLst>
-          </p:cNvPr>
-          <p:cNvCxnSpPr>
-            <a:cxnSpLocks/>
-            <a:endCxn id="5" idx="1"/>
-          </p:cNvCxnSpPr>
-          <p:nvPr/>
-        </p:nvCxnSpPr>
-        <p:spPr>
-          <a:xfrm>
-            <a:off x="0" y="1921992"/>
-            <a:ext cx="2041238" cy="825827"/>
-          </a:xfrm>
-          <a:prstGeom prst="curvedConnector3">
-            <a:avLst/>
-          </a:prstGeom>
-          <a:ln w="57150">
-            <a:headEnd type="none" w="med" len="med"/>
-            <a:tailEnd type="triangle" w="med" len="med"/>
-          </a:ln>
-        </p:spPr>
-        <p:style>
-          <a:lnRef idx="3">
-            <a:schemeClr val="accent6"/>
-          </a:lnRef>
-          <a:fillRef idx="0">
-            <a:schemeClr val="accent6"/>
-          </a:fillRef>
-          <a:effectRef idx="2">
-            <a:schemeClr val="accent6"/>
-          </a:effectRef>
-          <a:fontRef idx="minor">
-            <a:schemeClr val="tx1"/>
-          </a:fontRef>
-        </p:style>
-      </p:cxnSp>
-      <p:cxnSp>
-        <p:nvCxnSpPr>
-          <p:cNvPr id="51" name="Connector: Curved 50">
-            <a:extLst>
-              <a:ext uri="{FF2B5EF4-FFF2-40B4-BE49-F238E27FC236}">
-                <a16:creationId xmlns:a16="http://schemas.microsoft.com/office/drawing/2014/main" id="{4275AD89-D292-4831-B1F3-E8CC1F1042B6}"/>
-              </a:ext>
-            </a:extLst>
-          </p:cNvPr>
-          <p:cNvCxnSpPr>
-            <a:cxnSpLocks/>
-            <a:stCxn id="18" idx="1"/>
-          </p:cNvCxnSpPr>
-          <p:nvPr/>
-        </p:nvCxnSpPr>
-        <p:spPr>
-          <a:xfrm rot="10800000" flipV="1">
-            <a:off x="1" y="4399033"/>
-            <a:ext cx="2397993" cy="768279"/>
-          </a:xfrm>
-          <a:prstGeom prst="curvedConnector3">
-            <a:avLst>
-              <a:gd name="adj1" fmla="val 50000"/>
-            </a:avLst>
-          </a:prstGeom>
-          <a:ln w="57150">
-            <a:headEnd type="none" w="med" len="med"/>
-            <a:tailEnd type="triangle" w="med" len="med"/>
-          </a:ln>
-        </p:spPr>
-        <p:style>
-          <a:lnRef idx="3">
-            <a:schemeClr val="accent6"/>
-          </a:lnRef>
-          <a:fillRef idx="0">
-            <a:schemeClr val="accent6"/>
-          </a:fillRef>
-          <a:effectRef idx="2">
-            <a:schemeClr val="accent6"/>
-          </a:effectRef>
-          <a:fontRef idx="minor">
-            <a:schemeClr val="tx1"/>
-          </a:fontRef>
-        </p:style>
-      </p:cxnSp>
-      <p:sp>
-        <p:nvSpPr>
-          <p:cNvPr id="31" name="Rectangle: Rounded Corners 30">
-            <a:extLst>
-              <a:ext uri="{FF2B5EF4-FFF2-40B4-BE49-F238E27FC236}">
-                <a16:creationId xmlns:a16="http://schemas.microsoft.com/office/drawing/2014/main" id="{70A1E74B-66DC-4BB2-A729-A5C85F1936FB}"/>
-              </a:ext>
-            </a:extLst>
-          </p:cNvPr>
-          <p:cNvSpPr/>
-          <p:nvPr/>
-        </p:nvSpPr>
-        <p:spPr>
-          <a:xfrm>
-            <a:off x="8122224" y="4234872"/>
-            <a:ext cx="181267" cy="1145310"/>
-          </a:xfrm>
-          <a:prstGeom prst="roundRect">
-            <a:avLst/>
-          </a:prstGeom>
-        </p:spPr>
-        <p:style>
-          <a:lnRef idx="3">
-            <a:schemeClr val="lt1"/>
-          </a:lnRef>
-          <a:fillRef idx="1">
-            <a:schemeClr val="accent2"/>
-          </a:fillRef>
-          <a:effectRef idx="1">
-            <a:schemeClr val="accent2"/>
-          </a:effectRef>
-          <a:fontRef idx="minor">
-            <a:schemeClr val="lt1"/>
-          </a:fontRef>
-        </p:style>
-        <p:txBody>
-          <a:bodyPr rtlCol="0" anchor="ctr"/>
-          <a:lstStyle/>
-          <a:p>
-            <a:pPr algn="ctr"/>
-            <a:endParaRPr lang="en-GB"/>
-          </a:p>
-        </p:txBody>
-      </p:sp>
-      <p:sp>
-        <p:nvSpPr>
-          <p:cNvPr id="37" name="Rectangle: Rounded Corners 36">
-            <a:extLst>
-              <a:ext uri="{FF2B5EF4-FFF2-40B4-BE49-F238E27FC236}">
-                <a16:creationId xmlns:a16="http://schemas.microsoft.com/office/drawing/2014/main" id="{895C58AB-7B94-40E6-BA3C-FED435B64C7D}"/>
-              </a:ext>
-            </a:extLst>
-          </p:cNvPr>
-          <p:cNvSpPr/>
-          <p:nvPr/>
-        </p:nvSpPr>
-        <p:spPr>
-          <a:xfrm>
-            <a:off x="5024583" y="3703782"/>
-            <a:ext cx="1311564" cy="378691"/>
-          </a:xfrm>
-          <a:prstGeom prst="roundRect">
-            <a:avLst/>
-          </a:prstGeom>
-        </p:spPr>
-        <p:style>
-          <a:lnRef idx="3">
-            <a:schemeClr val="lt1"/>
-          </a:lnRef>
-          <a:fillRef idx="1">
-            <a:schemeClr val="accent3"/>
-          </a:fillRef>
-          <a:effectRef idx="1">
-            <a:schemeClr val="accent3"/>
-          </a:effectRef>
-          <a:fontRef idx="minor">
-            <a:schemeClr val="lt1"/>
-          </a:fontRef>
-        </p:style>
-        <p:txBody>
-          <a:bodyPr rtlCol="0" anchor="ctr"/>
-          <a:lstStyle/>
-          <a:p>
-            <a:pPr algn="ctr"/>
-            <a:endParaRPr lang="en-GB"/>
-          </a:p>
-        </p:txBody>
-      </p:sp>
-      <p:cxnSp>
-        <p:nvCxnSpPr>
-          <p:cNvPr id="38" name="Connector: Curved 37">
-            <a:extLst>
-              <a:ext uri="{FF2B5EF4-FFF2-40B4-BE49-F238E27FC236}">
-                <a16:creationId xmlns:a16="http://schemas.microsoft.com/office/drawing/2014/main" id="{A8D5710C-CCCD-44BC-B565-29C7A14A6622}"/>
-              </a:ext>
-            </a:extLst>
-          </p:cNvPr>
-          <p:cNvCxnSpPr>
-            <a:cxnSpLocks/>
-            <a:endCxn id="37" idx="0"/>
-          </p:cNvCxnSpPr>
-          <p:nvPr/>
-        </p:nvCxnSpPr>
-        <p:spPr>
-          <a:xfrm rot="10800000" flipV="1">
-            <a:off x="5680366" y="3302000"/>
-            <a:ext cx="2441859" cy="401782"/>
-          </a:xfrm>
-          <a:prstGeom prst="curvedConnector2">
-            <a:avLst/>
-          </a:prstGeom>
-          <a:ln w="28575">
-            <a:headEnd type="none" w="med" len="med"/>
-            <a:tailEnd type="arrow" w="med" len="med"/>
-          </a:ln>
-        </p:spPr>
-        <p:style>
-          <a:lnRef idx="3">
-            <a:schemeClr val="dk1"/>
-          </a:lnRef>
-          <a:fillRef idx="0">
-            <a:schemeClr val="dk1"/>
-          </a:fillRef>
-          <a:effectRef idx="2">
-            <a:schemeClr val="dk1"/>
-          </a:effectRef>
-          <a:fontRef idx="minor">
-            <a:schemeClr val="tx1"/>
-          </a:fontRef>
-        </p:style>
-      </p:cxnSp>
-      <p:cxnSp>
-        <p:nvCxnSpPr>
-          <p:cNvPr id="42" name="Connector: Curved 41">
-            <a:extLst>
-              <a:ext uri="{FF2B5EF4-FFF2-40B4-BE49-F238E27FC236}">
-                <a16:creationId xmlns:a16="http://schemas.microsoft.com/office/drawing/2014/main" id="{6A80C577-2A6E-445D-BD46-49FB21638D23}"/>
-              </a:ext>
-            </a:extLst>
-          </p:cNvPr>
-          <p:cNvCxnSpPr>
-            <a:cxnSpLocks/>
-            <a:stCxn id="37" idx="2"/>
-          </p:cNvCxnSpPr>
-          <p:nvPr/>
-        </p:nvCxnSpPr>
-        <p:spPr>
-          <a:xfrm rot="16200000" flipH="1">
-            <a:off x="6648341" y="3114496"/>
-            <a:ext cx="505906" cy="2441859"/>
-          </a:xfrm>
-          <a:prstGeom prst="curvedConnector2">
-            <a:avLst/>
-          </a:prstGeom>
-          <a:ln w="28575">
-            <a:headEnd type="none" w="med" len="med"/>
-            <a:tailEnd type="arrow" w="med" len="med"/>
-          </a:ln>
-        </p:spPr>
-        <p:style>
-          <a:lnRef idx="3">
-            <a:schemeClr val="dk1"/>
-          </a:lnRef>
-          <a:fillRef idx="0">
-            <a:schemeClr val="dk1"/>
-          </a:fillRef>
-          <a:effectRef idx="2">
-            <a:schemeClr val="dk1"/>
-          </a:effectRef>
-          <a:fontRef idx="minor">
-            <a:schemeClr val="tx1"/>
-          </a:fontRef>
-        </p:style>
-      </p:cxnSp>
-      <p:sp>
-        <p:nvSpPr>
-          <p:cNvPr id="3" name="Rectangle: Rounded Corners 2">
-            <a:extLst>
-              <a:ext uri="{FF2B5EF4-FFF2-40B4-BE49-F238E27FC236}">
-                <a16:creationId xmlns:a16="http://schemas.microsoft.com/office/drawing/2014/main" id="{DE1E1D21-6BB6-46C2-BF3C-4D489A03DA1A}"/>
-              </a:ext>
-            </a:extLst>
-          </p:cNvPr>
-          <p:cNvSpPr/>
-          <p:nvPr/>
-        </p:nvSpPr>
-        <p:spPr>
-          <a:xfrm>
-            <a:off x="9140538" y="1690687"/>
-            <a:ext cx="2330102" cy="4312949"/>
-          </a:xfrm>
-          <a:prstGeom prst="roundRect">
-            <a:avLst/>
-          </a:prstGeom>
-        </p:spPr>
-        <p:style>
-          <a:lnRef idx="3">
-            <a:schemeClr val="lt1"/>
-          </a:lnRef>
-          <a:fillRef idx="1">
-            <a:schemeClr val="accent4"/>
-          </a:fillRef>
-          <a:effectRef idx="1">
-            <a:schemeClr val="accent4"/>
-          </a:effectRef>
-          <a:fontRef idx="minor">
-            <a:schemeClr val="lt1"/>
-          </a:fontRef>
-        </p:style>
-        <p:txBody>
-          <a:bodyPr rtlCol="0" anchor="ctr"/>
-          <a:lstStyle/>
-          <a:p>
-            <a:pPr algn="ctr"/>
-            <a:r>
-              <a:rPr lang="en-GB" sz="3200" dirty="0"/>
-              <a:t>Module de detection de </a:t>
-            </a:r>
-            <a:r>
-              <a:rPr lang="en-GB" sz="3200" dirty="0" err="1"/>
-              <a:t>fraude</a:t>
-            </a:r>
-            <a:r>
-              <a:rPr lang="en-GB" sz="3200" dirty="0"/>
-              <a:t> </a:t>
-            </a:r>
-            <a:r>
-              <a:rPr lang="en-GB" sz="3200" dirty="0" err="1"/>
-              <a:t>migré</a:t>
-            </a:r>
-            <a:r>
-              <a:rPr lang="en-GB" sz="3200" dirty="0"/>
-              <a:t> </a:t>
-            </a:r>
-            <a:r>
-              <a:rPr lang="en-GB" sz="3200" dirty="0" err="1"/>
-              <a:t>en</a:t>
-            </a:r>
-            <a:r>
-              <a:rPr lang="en-GB" sz="3200" dirty="0"/>
-              <a:t> .NET</a:t>
-            </a:r>
-          </a:p>
-        </p:txBody>
-      </p:sp>
-      <p:cxnSp>
-        <p:nvCxnSpPr>
-          <p:cNvPr id="22" name="Connector: Curved 21">
-            <a:extLst>
-              <a:ext uri="{FF2B5EF4-FFF2-40B4-BE49-F238E27FC236}">
-                <a16:creationId xmlns:a16="http://schemas.microsoft.com/office/drawing/2014/main" id="{655D90C9-56B3-4C6E-B601-896DD4DDA70F}"/>
-              </a:ext>
-            </a:extLst>
-          </p:cNvPr>
-          <p:cNvCxnSpPr>
-            <a:cxnSpLocks/>
-          </p:cNvCxnSpPr>
-          <p:nvPr/>
-        </p:nvCxnSpPr>
-        <p:spPr>
-          <a:xfrm>
-            <a:off x="8303491" y="3131127"/>
-            <a:ext cx="837047" cy="297873"/>
-          </a:xfrm>
-          <a:prstGeom prst="curvedConnector3">
-            <a:avLst/>
-          </a:prstGeom>
-          <a:ln w="57150">
-            <a:headEnd type="none" w="med" len="med"/>
-            <a:tailEnd type="triangle" w="med" len="med"/>
-          </a:ln>
-        </p:spPr>
-        <p:style>
-          <a:lnRef idx="3">
-            <a:schemeClr val="accent6"/>
-          </a:lnRef>
-          <a:fillRef idx="0">
-            <a:schemeClr val="accent6"/>
-          </a:fillRef>
-          <a:effectRef idx="2">
-            <a:schemeClr val="accent6"/>
-          </a:effectRef>
-          <a:fontRef idx="minor">
-            <a:schemeClr val="tx1"/>
-          </a:fontRef>
-        </p:style>
-      </p:cxnSp>
-      <p:cxnSp>
-        <p:nvCxnSpPr>
-          <p:cNvPr id="23" name="Connector: Curved 22">
-            <a:extLst>
-              <a:ext uri="{FF2B5EF4-FFF2-40B4-BE49-F238E27FC236}">
-                <a16:creationId xmlns:a16="http://schemas.microsoft.com/office/drawing/2014/main" id="{4B37ECDE-072C-47A3-B15C-F1554024D890}"/>
-              </a:ext>
-            </a:extLst>
-          </p:cNvPr>
-          <p:cNvCxnSpPr>
-            <a:cxnSpLocks/>
-          </p:cNvCxnSpPr>
-          <p:nvPr/>
-        </p:nvCxnSpPr>
-        <p:spPr>
-          <a:xfrm flipV="1">
-            <a:off x="8303491" y="4470400"/>
-            <a:ext cx="837047" cy="337127"/>
-          </a:xfrm>
-          <a:prstGeom prst="curvedConnector3">
-            <a:avLst/>
-          </a:prstGeom>
-          <a:ln w="57150">
-            <a:headEnd type="none" w="med" len="med"/>
-            <a:tailEnd type="triangle" w="med" len="med"/>
           </a:ln>
         </p:spPr>
         <p:style>
@@ -6545,7 +6803,7 @@
     </p:spTree>
     <p:extLst>
       <p:ext uri="{BB962C8B-B14F-4D97-AF65-F5344CB8AC3E}">
-        <p14:creationId xmlns:p14="http://schemas.microsoft.com/office/powerpoint/2010/main" val="1236646975"/>
+        <p14:creationId xmlns:p14="http://schemas.microsoft.com/office/powerpoint/2010/main" val="446255398"/>
       </p:ext>
     </p:extLst>
   </p:cSld>
@@ -6574,10 +6832,243 @@
       </p:grpSpPr>
       <p:sp>
         <p:nvSpPr>
-          <p:cNvPr id="2" name="Title 1">
-            <a:extLst>
-              <a:ext uri="{FF2B5EF4-FFF2-40B4-BE49-F238E27FC236}">
-                <a16:creationId xmlns:a16="http://schemas.microsoft.com/office/drawing/2014/main" id="{C62024BB-705D-4B40-9210-BD05C34BED5C}"/>
+          <p:cNvPr id="4" name="Rectangle: Rounded Corners 3">
+            <a:extLst>
+              <a:ext uri="{FF2B5EF4-FFF2-40B4-BE49-F238E27FC236}">
+                <a16:creationId xmlns:a16="http://schemas.microsoft.com/office/drawing/2014/main" id="{03FF9B5D-996E-43C8-A134-F1759836F111}"/>
+              </a:ext>
+            </a:extLst>
+          </p:cNvPr>
+          <p:cNvSpPr/>
+          <p:nvPr/>
+        </p:nvSpPr>
+        <p:spPr>
+          <a:xfrm>
+            <a:off x="748147" y="1533668"/>
+            <a:ext cx="1874980" cy="1738313"/>
+          </a:xfrm>
+          <a:prstGeom prst="roundRect">
+            <a:avLst/>
+          </a:prstGeom>
+        </p:spPr>
+        <p:style>
+          <a:lnRef idx="3">
+            <a:schemeClr val="lt1"/>
+          </a:lnRef>
+          <a:fillRef idx="1">
+            <a:schemeClr val="accent1"/>
+          </a:fillRef>
+          <a:effectRef idx="1">
+            <a:schemeClr val="accent1"/>
+          </a:effectRef>
+          <a:fontRef idx="minor">
+            <a:schemeClr val="lt1"/>
+          </a:fontRef>
+        </p:style>
+        <p:txBody>
+          <a:bodyPr rtlCol="0" anchor="ctr" anchorCtr="0"/>
+          <a:lstStyle/>
+          <a:p>
+            <a:pPr algn="ctr"/>
+            <a:r>
+              <a:rPr lang="en-GB" sz="3200" dirty="0"/>
+              <a:t>ASP</a:t>
+            </a:r>
+          </a:p>
+        </p:txBody>
+      </p:sp>
+      <p:sp>
+        <p:nvSpPr>
+          <p:cNvPr id="5" name="Rectangle: Rounded Corners 4">
+            <a:extLst>
+              <a:ext uri="{FF2B5EF4-FFF2-40B4-BE49-F238E27FC236}">
+                <a16:creationId xmlns:a16="http://schemas.microsoft.com/office/drawing/2014/main" id="{460FEBE7-6487-4455-B9E4-1F41D2A1B3A2}"/>
+              </a:ext>
+            </a:extLst>
+          </p:cNvPr>
+          <p:cNvSpPr/>
+          <p:nvPr/>
+        </p:nvSpPr>
+        <p:spPr>
+          <a:xfrm>
+            <a:off x="8474364" y="1533667"/>
+            <a:ext cx="3260436" cy="1738313"/>
+          </a:xfrm>
+          <a:prstGeom prst="roundRect">
+            <a:avLst/>
+          </a:prstGeom>
+        </p:spPr>
+        <p:style>
+          <a:lnRef idx="3">
+            <a:schemeClr val="lt1"/>
+          </a:lnRef>
+          <a:fillRef idx="1">
+            <a:schemeClr val="accent6"/>
+          </a:fillRef>
+          <a:effectRef idx="1">
+            <a:schemeClr val="accent6"/>
+          </a:effectRef>
+          <a:fontRef idx="minor">
+            <a:schemeClr val="lt1"/>
+          </a:fontRef>
+        </p:style>
+        <p:txBody>
+          <a:bodyPr rtlCol="0" anchor="ctr" anchorCtr="0"/>
+          <a:lstStyle/>
+          <a:p>
+            <a:pPr algn="ctr"/>
+            <a:r>
+              <a:rPr lang="fr-BE" sz="3200" dirty="0"/>
+              <a:t>Système externe</a:t>
+            </a:r>
+          </a:p>
+        </p:txBody>
+      </p:sp>
+      <p:sp>
+        <p:nvSpPr>
+          <p:cNvPr id="6" name="Rectangle: Rounded Corners 5">
+            <a:extLst>
+              <a:ext uri="{FF2B5EF4-FFF2-40B4-BE49-F238E27FC236}">
+                <a16:creationId xmlns:a16="http://schemas.microsoft.com/office/drawing/2014/main" id="{0FA73245-B24B-4215-9297-ED931AE0240E}"/>
+              </a:ext>
+            </a:extLst>
+          </p:cNvPr>
+          <p:cNvSpPr/>
+          <p:nvPr/>
+        </p:nvSpPr>
+        <p:spPr>
+          <a:xfrm>
+            <a:off x="4509656" y="1533668"/>
+            <a:ext cx="2066636" cy="1738313"/>
+          </a:xfrm>
+          <a:prstGeom prst="roundRect">
+            <a:avLst/>
+          </a:prstGeom>
+        </p:spPr>
+        <p:style>
+          <a:lnRef idx="3">
+            <a:schemeClr val="lt1"/>
+          </a:lnRef>
+          <a:fillRef idx="1">
+            <a:schemeClr val="accent1"/>
+          </a:fillRef>
+          <a:effectRef idx="1">
+            <a:schemeClr val="accent1"/>
+          </a:effectRef>
+          <a:fontRef idx="minor">
+            <a:schemeClr val="lt1"/>
+          </a:fontRef>
+        </p:style>
+        <p:txBody>
+          <a:bodyPr rtlCol="0" anchor="ctr" anchorCtr="0"/>
+          <a:lstStyle/>
+          <a:p>
+            <a:pPr algn="ctr"/>
+            <a:r>
+              <a:rPr lang="en-GB" sz="3200" dirty="0"/>
+              <a:t>COM+</a:t>
+            </a:r>
+          </a:p>
+        </p:txBody>
+      </p:sp>
+      <p:cxnSp>
+        <p:nvCxnSpPr>
+          <p:cNvPr id="7" name="Connector: Curved 6">
+            <a:extLst>
+              <a:ext uri="{FF2B5EF4-FFF2-40B4-BE49-F238E27FC236}">
+                <a16:creationId xmlns:a16="http://schemas.microsoft.com/office/drawing/2014/main" id="{180ED502-E1DE-4B63-8B00-51A17A932B7D}"/>
+              </a:ext>
+            </a:extLst>
+          </p:cNvPr>
+          <p:cNvCxnSpPr>
+            <a:cxnSpLocks/>
+            <a:stCxn id="4" idx="3"/>
+            <a:endCxn id="6" idx="1"/>
+          </p:cNvCxnSpPr>
+          <p:nvPr/>
+        </p:nvCxnSpPr>
+        <p:spPr>
+          <a:xfrm>
+            <a:off x="2623127" y="2402825"/>
+            <a:ext cx="1886529" cy="12700"/>
+          </a:xfrm>
+          <a:prstGeom prst="curvedConnector3">
+            <a:avLst>
+              <a:gd name="adj1" fmla="val 50000"/>
+            </a:avLst>
+          </a:prstGeom>
+          <a:ln w="57150">
+            <a:headEnd type="none" w="med" len="med"/>
+            <a:tailEnd type="arrow" w="med" len="med"/>
+          </a:ln>
+        </p:spPr>
+        <p:style>
+          <a:lnRef idx="3">
+            <a:schemeClr val="accent6"/>
+          </a:lnRef>
+          <a:fillRef idx="0">
+            <a:schemeClr val="accent6"/>
+          </a:fillRef>
+          <a:effectRef idx="2">
+            <a:schemeClr val="accent6"/>
+          </a:effectRef>
+          <a:fontRef idx="minor">
+            <a:schemeClr val="tx1"/>
+          </a:fontRef>
+        </p:style>
+      </p:cxnSp>
+      <p:cxnSp>
+        <p:nvCxnSpPr>
+          <p:cNvPr id="10" name="Connector: Curved 9">
+            <a:extLst>
+              <a:ext uri="{FF2B5EF4-FFF2-40B4-BE49-F238E27FC236}">
+                <a16:creationId xmlns:a16="http://schemas.microsoft.com/office/drawing/2014/main" id="{4385AAB3-4049-4802-8E2C-34E0B842A82A}"/>
+              </a:ext>
+            </a:extLst>
+          </p:cNvPr>
+          <p:cNvCxnSpPr>
+            <a:cxnSpLocks/>
+            <a:stCxn id="6" idx="3"/>
+            <a:endCxn id="5" idx="1"/>
+          </p:cNvCxnSpPr>
+          <p:nvPr/>
+        </p:nvCxnSpPr>
+        <p:spPr>
+          <a:xfrm flipV="1">
+            <a:off x="6576292" y="2402824"/>
+            <a:ext cx="1898072" cy="1"/>
+          </a:xfrm>
+          <a:prstGeom prst="curvedConnector3">
+            <a:avLst>
+              <a:gd name="adj1" fmla="val 50000"/>
+            </a:avLst>
+          </a:prstGeom>
+          <a:ln w="57150">
+            <a:headEnd type="none" w="med" len="med"/>
+            <a:tailEnd type="arrow" w="med" len="med"/>
+          </a:ln>
+        </p:spPr>
+        <p:style>
+          <a:lnRef idx="3">
+            <a:schemeClr val="accent6"/>
+          </a:lnRef>
+          <a:fillRef idx="0">
+            <a:schemeClr val="accent6"/>
+          </a:fillRef>
+          <a:effectRef idx="2">
+            <a:schemeClr val="accent6"/>
+          </a:effectRef>
+          <a:fontRef idx="minor">
+            <a:schemeClr val="tx1"/>
+          </a:fontRef>
+        </p:style>
+      </p:cxnSp>
+      <p:sp>
+        <p:nvSpPr>
+          <p:cNvPr id="18" name="Title 1">
+            <a:extLst>
+              <a:ext uri="{FF2B5EF4-FFF2-40B4-BE49-F238E27FC236}">
+                <a16:creationId xmlns:a16="http://schemas.microsoft.com/office/drawing/2014/main" id="{C0BE5FBD-A293-4AA1-A37A-740585D5D84E}"/>
               </a:ext>
             </a:extLst>
           </p:cNvPr>
@@ -6588,7 +7079,12 @@
             <p:ph type="title"/>
           </p:nvPr>
         </p:nvSpPr>
-        <p:spPr/>
+        <p:spPr>
+          <a:xfrm>
+            <a:off x="838200" y="365125"/>
+            <a:ext cx="10515600" cy="1325563"/>
+          </a:xfrm>
+        </p:spPr>
         <p:txBody>
           <a:bodyPr>
             <a:normAutofit/>
@@ -6598,83 +7094,196 @@
             <a:pPr algn="ctr"/>
             <a:r>
               <a:rPr lang="fr-BE" sz="6000" dirty="0"/>
-              <a:t>La migration, comment?</a:t>
-            </a:r>
-          </a:p>
-        </p:txBody>
-      </p:sp>
-      <p:sp>
-        <p:nvSpPr>
-          <p:cNvPr id="3" name="Content Placeholder 2">
-            <a:extLst>
-              <a:ext uri="{FF2B5EF4-FFF2-40B4-BE49-F238E27FC236}">
-                <a16:creationId xmlns:a16="http://schemas.microsoft.com/office/drawing/2014/main" id="{F3A1AD45-9D78-4F4D-901D-64409E61B41A}"/>
-              </a:ext>
-            </a:extLst>
-          </p:cNvPr>
-          <p:cNvSpPr>
-            <a:spLocks noGrp="1"/>
-          </p:cNvSpPr>
-          <p:nvPr>
-            <p:ph idx="1"/>
-          </p:nvPr>
-        </p:nvSpPr>
-        <p:spPr/>
-        <p:txBody>
-          <a:bodyPr>
-            <a:normAutofit/>
-          </a:bodyPr>
-          <a:lstStyle/>
-          <a:p>
-            <a:pPr marL="0" indent="0" algn="ctr">
-              <a:buNone/>
-            </a:pPr>
-            <a:r>
-              <a:rPr lang="fr-BE" sz="4400" dirty="0" err="1"/>
-              <a:t>Strangler</a:t>
-            </a:r>
-            <a:r>
-              <a:rPr lang="fr-BE" sz="4400" dirty="0"/>
-              <a:t> Pattern</a:t>
-            </a:r>
-            <a:endParaRPr lang="fr-BE" sz="3200" dirty="0"/>
-          </a:p>
-        </p:txBody>
-      </p:sp>
-      <p:pic>
-        <p:nvPicPr>
-          <p:cNvPr id="4" name="Picture 3">
-            <a:extLst>
-              <a:ext uri="{FF2B5EF4-FFF2-40B4-BE49-F238E27FC236}">
-                <a16:creationId xmlns:a16="http://schemas.microsoft.com/office/drawing/2014/main" id="{B864E10C-DC04-462F-ACCE-6C489DC60861}"/>
-              </a:ext>
-            </a:extLst>
-          </p:cNvPr>
-          <p:cNvPicPr>
-            <a:picLocks noChangeAspect="1"/>
-          </p:cNvPicPr>
-          <p:nvPr/>
-        </p:nvPicPr>
-        <p:blipFill>
-          <a:blip r:embed="rId2"/>
-          <a:stretch>
-            <a:fillRect/>
-          </a:stretch>
-        </p:blipFill>
-        <p:spPr>
-          <a:xfrm>
-            <a:off x="1074022" y="2730737"/>
-            <a:ext cx="10043956" cy="3088171"/>
-          </a:xfrm>
-          <a:prstGeom prst="rect">
+              <a:t>Appel externe</a:t>
+            </a:r>
+          </a:p>
+        </p:txBody>
+      </p:sp>
+      <p:sp>
+        <p:nvSpPr>
+          <p:cNvPr id="8" name="Rectangle: Rounded Corners 7">
+            <a:extLst>
+              <a:ext uri="{FF2B5EF4-FFF2-40B4-BE49-F238E27FC236}">
+                <a16:creationId xmlns:a16="http://schemas.microsoft.com/office/drawing/2014/main" id="{B5EFD6C3-0077-40EA-84EF-D638F163C2A6}"/>
+              </a:ext>
+            </a:extLst>
+          </p:cNvPr>
+          <p:cNvSpPr/>
+          <p:nvPr/>
+        </p:nvSpPr>
+        <p:spPr>
+          <a:xfrm>
+            <a:off x="748147" y="3984118"/>
+            <a:ext cx="1874980" cy="1738313"/>
+          </a:xfrm>
+          <a:prstGeom prst="roundRect">
             <a:avLst/>
           </a:prstGeom>
         </p:spPr>
-      </p:pic>
+        <p:style>
+          <a:lnRef idx="3">
+            <a:schemeClr val="lt1"/>
+          </a:lnRef>
+          <a:fillRef idx="1">
+            <a:schemeClr val="accent4"/>
+          </a:fillRef>
+          <a:effectRef idx="1">
+            <a:schemeClr val="accent4"/>
+          </a:effectRef>
+          <a:fontRef idx="minor">
+            <a:schemeClr val="lt1"/>
+          </a:fontRef>
+        </p:style>
+        <p:txBody>
+          <a:bodyPr rtlCol="0" anchor="ctr" anchorCtr="0"/>
+          <a:lstStyle/>
+          <a:p>
+            <a:pPr algn="ctr"/>
+            <a:r>
+              <a:rPr lang="en-GB" sz="3200" dirty="0"/>
+              <a:t>.NET</a:t>
+            </a:r>
+          </a:p>
+        </p:txBody>
+      </p:sp>
+      <p:cxnSp>
+        <p:nvCxnSpPr>
+          <p:cNvPr id="9" name="Connector: Curved 8">
+            <a:extLst>
+              <a:ext uri="{FF2B5EF4-FFF2-40B4-BE49-F238E27FC236}">
+                <a16:creationId xmlns:a16="http://schemas.microsoft.com/office/drawing/2014/main" id="{DA65838B-4AEC-44D7-B86C-E65E0E72D6DD}"/>
+              </a:ext>
+            </a:extLst>
+          </p:cNvPr>
+          <p:cNvCxnSpPr>
+            <a:cxnSpLocks/>
+            <a:stCxn id="8" idx="3"/>
+            <a:endCxn id="6" idx="2"/>
+          </p:cNvCxnSpPr>
+          <p:nvPr/>
+        </p:nvCxnSpPr>
+        <p:spPr>
+          <a:xfrm flipV="1">
+            <a:off x="2623127" y="3271981"/>
+            <a:ext cx="2919847" cy="1581294"/>
+          </a:xfrm>
+          <a:prstGeom prst="curvedConnector2">
+            <a:avLst/>
+          </a:prstGeom>
+          <a:ln w="57150">
+            <a:headEnd type="none" w="med" len="med"/>
+            <a:tailEnd type="arrow" w="med" len="med"/>
+          </a:ln>
+        </p:spPr>
+        <p:style>
+          <a:lnRef idx="3">
+            <a:schemeClr val="accent6"/>
+          </a:lnRef>
+          <a:fillRef idx="0">
+            <a:schemeClr val="accent6"/>
+          </a:fillRef>
+          <a:effectRef idx="2">
+            <a:schemeClr val="accent6"/>
+          </a:effectRef>
+          <a:fontRef idx="minor">
+            <a:schemeClr val="tx1"/>
+          </a:fontRef>
+        </p:style>
+      </p:cxnSp>
+      <p:cxnSp>
+        <p:nvCxnSpPr>
+          <p:cNvPr id="12" name="Connector: Curved 11">
+            <a:extLst>
+              <a:ext uri="{FF2B5EF4-FFF2-40B4-BE49-F238E27FC236}">
+                <a16:creationId xmlns:a16="http://schemas.microsoft.com/office/drawing/2014/main" id="{AAF417F1-7892-4EB9-95AA-7FEBA286203C}"/>
+              </a:ext>
+            </a:extLst>
+          </p:cNvPr>
+          <p:cNvCxnSpPr>
+            <a:cxnSpLocks/>
+            <a:endCxn id="4" idx="1"/>
+          </p:cNvCxnSpPr>
+          <p:nvPr/>
+        </p:nvCxnSpPr>
+        <p:spPr>
+          <a:xfrm>
+            <a:off x="0" y="2402823"/>
+            <a:ext cx="748147" cy="2"/>
+          </a:xfrm>
+          <a:prstGeom prst="curvedConnector3">
+            <a:avLst>
+              <a:gd name="adj1" fmla="val 50000"/>
+            </a:avLst>
+          </a:prstGeom>
+          <a:ln w="57150">
+            <a:headEnd type="none" w="med" len="med"/>
+            <a:tailEnd type="arrow" w="med" len="med"/>
+          </a:ln>
+        </p:spPr>
+        <p:style>
+          <a:lnRef idx="3">
+            <a:schemeClr val="accent6"/>
+          </a:lnRef>
+          <a:fillRef idx="0">
+            <a:schemeClr val="accent6"/>
+          </a:fillRef>
+          <a:effectRef idx="2">
+            <a:schemeClr val="accent6"/>
+          </a:effectRef>
+          <a:fontRef idx="minor">
+            <a:schemeClr val="tx1"/>
+          </a:fontRef>
+        </p:style>
+      </p:cxnSp>
+      <p:cxnSp>
+        <p:nvCxnSpPr>
+          <p:cNvPr id="15" name="Connector: Curved 14">
+            <a:extLst>
+              <a:ext uri="{FF2B5EF4-FFF2-40B4-BE49-F238E27FC236}">
+                <a16:creationId xmlns:a16="http://schemas.microsoft.com/office/drawing/2014/main" id="{2390333A-5A5E-4756-9AB8-588F04825466}"/>
+              </a:ext>
+            </a:extLst>
+          </p:cNvPr>
+          <p:cNvCxnSpPr>
+            <a:cxnSpLocks/>
+            <a:endCxn id="8" idx="1"/>
+          </p:cNvCxnSpPr>
+          <p:nvPr/>
+        </p:nvCxnSpPr>
+        <p:spPr>
+          <a:xfrm>
+            <a:off x="0" y="4853274"/>
+            <a:ext cx="748147" cy="1"/>
+          </a:xfrm>
+          <a:prstGeom prst="curvedConnector3">
+            <a:avLst>
+              <a:gd name="adj1" fmla="val 50000"/>
+            </a:avLst>
+          </a:prstGeom>
+          <a:ln w="57150">
+            <a:headEnd type="none" w="med" len="med"/>
+            <a:tailEnd type="arrow" w="med" len="med"/>
+          </a:ln>
+        </p:spPr>
+        <p:style>
+          <a:lnRef idx="3">
+            <a:schemeClr val="accent6"/>
+          </a:lnRef>
+          <a:fillRef idx="0">
+            <a:schemeClr val="accent6"/>
+          </a:fillRef>
+          <a:effectRef idx="2">
+            <a:schemeClr val="accent6"/>
+          </a:effectRef>
+          <a:fontRef idx="minor">
+            <a:schemeClr val="tx1"/>
+          </a:fontRef>
+        </p:style>
+      </p:cxnSp>
     </p:spTree>
     <p:extLst>
       <p:ext uri="{BB962C8B-B14F-4D97-AF65-F5344CB8AC3E}">
-        <p14:creationId xmlns:p14="http://schemas.microsoft.com/office/powerpoint/2010/main" val="4208708660"/>
+        <p14:creationId xmlns:p14="http://schemas.microsoft.com/office/powerpoint/2010/main" val="3703750566"/>
       </p:ext>
     </p:extLst>
   </p:cSld>
@@ -6703,10 +7312,243 @@
       </p:grpSpPr>
       <p:sp>
         <p:nvSpPr>
-          <p:cNvPr id="2" name="Title 1">
-            <a:extLst>
-              <a:ext uri="{FF2B5EF4-FFF2-40B4-BE49-F238E27FC236}">
-                <a16:creationId xmlns:a16="http://schemas.microsoft.com/office/drawing/2014/main" id="{C62024BB-705D-4B40-9210-BD05C34BED5C}"/>
+          <p:cNvPr id="4" name="Rectangle: Rounded Corners 3">
+            <a:extLst>
+              <a:ext uri="{FF2B5EF4-FFF2-40B4-BE49-F238E27FC236}">
+                <a16:creationId xmlns:a16="http://schemas.microsoft.com/office/drawing/2014/main" id="{03FF9B5D-996E-43C8-A134-F1759836F111}"/>
+              </a:ext>
+            </a:extLst>
+          </p:cNvPr>
+          <p:cNvSpPr/>
+          <p:nvPr/>
+        </p:nvSpPr>
+        <p:spPr>
+          <a:xfrm>
+            <a:off x="748147" y="1533668"/>
+            <a:ext cx="1874980" cy="1738313"/>
+          </a:xfrm>
+          <a:prstGeom prst="roundRect">
+            <a:avLst/>
+          </a:prstGeom>
+        </p:spPr>
+        <p:style>
+          <a:lnRef idx="3">
+            <a:schemeClr val="lt1"/>
+          </a:lnRef>
+          <a:fillRef idx="1">
+            <a:schemeClr val="accent1"/>
+          </a:fillRef>
+          <a:effectRef idx="1">
+            <a:schemeClr val="accent1"/>
+          </a:effectRef>
+          <a:fontRef idx="minor">
+            <a:schemeClr val="lt1"/>
+          </a:fontRef>
+        </p:style>
+        <p:txBody>
+          <a:bodyPr rtlCol="0" anchor="ctr" anchorCtr="0"/>
+          <a:lstStyle/>
+          <a:p>
+            <a:pPr algn="ctr"/>
+            <a:r>
+              <a:rPr lang="en-GB" sz="3200" dirty="0"/>
+              <a:t>ASP</a:t>
+            </a:r>
+          </a:p>
+        </p:txBody>
+      </p:sp>
+      <p:sp>
+        <p:nvSpPr>
+          <p:cNvPr id="5" name="Rectangle: Rounded Corners 4">
+            <a:extLst>
+              <a:ext uri="{FF2B5EF4-FFF2-40B4-BE49-F238E27FC236}">
+                <a16:creationId xmlns:a16="http://schemas.microsoft.com/office/drawing/2014/main" id="{460FEBE7-6487-4455-B9E4-1F41D2A1B3A2}"/>
+              </a:ext>
+            </a:extLst>
+          </p:cNvPr>
+          <p:cNvSpPr/>
+          <p:nvPr/>
+        </p:nvSpPr>
+        <p:spPr>
+          <a:xfrm>
+            <a:off x="8474364" y="1533667"/>
+            <a:ext cx="3260436" cy="1738313"/>
+          </a:xfrm>
+          <a:prstGeom prst="roundRect">
+            <a:avLst/>
+          </a:prstGeom>
+        </p:spPr>
+        <p:style>
+          <a:lnRef idx="3">
+            <a:schemeClr val="lt1"/>
+          </a:lnRef>
+          <a:fillRef idx="1">
+            <a:schemeClr val="accent6"/>
+          </a:fillRef>
+          <a:effectRef idx="1">
+            <a:schemeClr val="accent6"/>
+          </a:effectRef>
+          <a:fontRef idx="minor">
+            <a:schemeClr val="lt1"/>
+          </a:fontRef>
+        </p:style>
+        <p:txBody>
+          <a:bodyPr rtlCol="0" anchor="ctr" anchorCtr="0"/>
+          <a:lstStyle/>
+          <a:p>
+            <a:pPr algn="ctr"/>
+            <a:r>
+              <a:rPr lang="fr-BE" sz="3200" dirty="0"/>
+              <a:t>Système externe</a:t>
+            </a:r>
+          </a:p>
+        </p:txBody>
+      </p:sp>
+      <p:sp>
+        <p:nvSpPr>
+          <p:cNvPr id="6" name="Rectangle: Rounded Corners 5">
+            <a:extLst>
+              <a:ext uri="{FF2B5EF4-FFF2-40B4-BE49-F238E27FC236}">
+                <a16:creationId xmlns:a16="http://schemas.microsoft.com/office/drawing/2014/main" id="{0FA73245-B24B-4215-9297-ED931AE0240E}"/>
+              </a:ext>
+            </a:extLst>
+          </p:cNvPr>
+          <p:cNvSpPr/>
+          <p:nvPr/>
+        </p:nvSpPr>
+        <p:spPr>
+          <a:xfrm>
+            <a:off x="4509656" y="1533668"/>
+            <a:ext cx="2066636" cy="1738313"/>
+          </a:xfrm>
+          <a:prstGeom prst="roundRect">
+            <a:avLst/>
+          </a:prstGeom>
+        </p:spPr>
+        <p:style>
+          <a:lnRef idx="3">
+            <a:schemeClr val="lt1"/>
+          </a:lnRef>
+          <a:fillRef idx="1">
+            <a:schemeClr val="accent1"/>
+          </a:fillRef>
+          <a:effectRef idx="1">
+            <a:schemeClr val="accent1"/>
+          </a:effectRef>
+          <a:fontRef idx="minor">
+            <a:schemeClr val="lt1"/>
+          </a:fontRef>
+        </p:style>
+        <p:txBody>
+          <a:bodyPr rtlCol="0" anchor="ctr" anchorCtr="0"/>
+          <a:lstStyle/>
+          <a:p>
+            <a:pPr algn="ctr"/>
+            <a:r>
+              <a:rPr lang="en-GB" sz="3200" dirty="0"/>
+              <a:t>COM+</a:t>
+            </a:r>
+          </a:p>
+        </p:txBody>
+      </p:sp>
+      <p:cxnSp>
+        <p:nvCxnSpPr>
+          <p:cNvPr id="7" name="Connector: Curved 6">
+            <a:extLst>
+              <a:ext uri="{FF2B5EF4-FFF2-40B4-BE49-F238E27FC236}">
+                <a16:creationId xmlns:a16="http://schemas.microsoft.com/office/drawing/2014/main" id="{180ED502-E1DE-4B63-8B00-51A17A932B7D}"/>
+              </a:ext>
+            </a:extLst>
+          </p:cNvPr>
+          <p:cNvCxnSpPr>
+            <a:cxnSpLocks/>
+            <a:stCxn id="4" idx="3"/>
+            <a:endCxn id="13" idx="1"/>
+          </p:cNvCxnSpPr>
+          <p:nvPr/>
+        </p:nvCxnSpPr>
+        <p:spPr>
+          <a:xfrm>
+            <a:off x="2623127" y="2402825"/>
+            <a:ext cx="1874976" cy="2455072"/>
+          </a:xfrm>
+          <a:prstGeom prst="curvedConnector3">
+            <a:avLst>
+              <a:gd name="adj1" fmla="val 50000"/>
+            </a:avLst>
+          </a:prstGeom>
+          <a:ln w="57150">
+            <a:headEnd type="none" w="med" len="med"/>
+            <a:tailEnd type="arrow" w="med" len="med"/>
+          </a:ln>
+        </p:spPr>
+        <p:style>
+          <a:lnRef idx="3">
+            <a:schemeClr val="accent6"/>
+          </a:lnRef>
+          <a:fillRef idx="0">
+            <a:schemeClr val="accent6"/>
+          </a:fillRef>
+          <a:effectRef idx="2">
+            <a:schemeClr val="accent6"/>
+          </a:effectRef>
+          <a:fontRef idx="minor">
+            <a:schemeClr val="tx1"/>
+          </a:fontRef>
+        </p:style>
+      </p:cxnSp>
+      <p:cxnSp>
+        <p:nvCxnSpPr>
+          <p:cNvPr id="10" name="Connector: Curved 9">
+            <a:extLst>
+              <a:ext uri="{FF2B5EF4-FFF2-40B4-BE49-F238E27FC236}">
+                <a16:creationId xmlns:a16="http://schemas.microsoft.com/office/drawing/2014/main" id="{4385AAB3-4049-4802-8E2C-34E0B842A82A}"/>
+              </a:ext>
+            </a:extLst>
+          </p:cNvPr>
+          <p:cNvCxnSpPr>
+            <a:cxnSpLocks/>
+            <a:stCxn id="6" idx="3"/>
+            <a:endCxn id="5" idx="1"/>
+          </p:cNvCxnSpPr>
+          <p:nvPr/>
+        </p:nvCxnSpPr>
+        <p:spPr>
+          <a:xfrm flipV="1">
+            <a:off x="6576292" y="2402824"/>
+            <a:ext cx="1898072" cy="1"/>
+          </a:xfrm>
+          <a:prstGeom prst="curvedConnector3">
+            <a:avLst>
+              <a:gd name="adj1" fmla="val 50000"/>
+            </a:avLst>
+          </a:prstGeom>
+          <a:ln w="57150">
+            <a:headEnd type="none" w="med" len="med"/>
+            <a:tailEnd type="arrow" w="med" len="med"/>
+          </a:ln>
+        </p:spPr>
+        <p:style>
+          <a:lnRef idx="3">
+            <a:schemeClr val="accent6"/>
+          </a:lnRef>
+          <a:fillRef idx="0">
+            <a:schemeClr val="accent6"/>
+          </a:fillRef>
+          <a:effectRef idx="2">
+            <a:schemeClr val="accent6"/>
+          </a:effectRef>
+          <a:fontRef idx="minor">
+            <a:schemeClr val="tx1"/>
+          </a:fontRef>
+        </p:style>
+      </p:cxnSp>
+      <p:sp>
+        <p:nvSpPr>
+          <p:cNvPr id="18" name="Title 1">
+            <a:extLst>
+              <a:ext uri="{FF2B5EF4-FFF2-40B4-BE49-F238E27FC236}">
+                <a16:creationId xmlns:a16="http://schemas.microsoft.com/office/drawing/2014/main" id="{C0BE5FBD-A293-4AA1-A37A-740585D5D84E}"/>
               </a:ext>
             </a:extLst>
           </p:cNvPr>
@@ -6717,7 +7559,12 @@
             <p:ph type="title"/>
           </p:nvPr>
         </p:nvSpPr>
-        <p:spPr/>
+        <p:spPr>
+          <a:xfrm>
+            <a:off x="838200" y="365125"/>
+            <a:ext cx="10515600" cy="1325563"/>
+          </a:xfrm>
+        </p:spPr>
         <p:txBody>
           <a:bodyPr>
             <a:normAutofit/>
@@ -6727,289 +7574,291 @@
             <a:pPr algn="ctr"/>
             <a:r>
               <a:rPr lang="fr-BE" sz="6000" dirty="0"/>
-              <a:t>La migration, comment?</a:t>
-            </a:r>
-          </a:p>
-        </p:txBody>
-      </p:sp>
-      <p:sp>
-        <p:nvSpPr>
-          <p:cNvPr id="3" name="Content Placeholder 2">
-            <a:extLst>
-              <a:ext uri="{FF2B5EF4-FFF2-40B4-BE49-F238E27FC236}">
-                <a16:creationId xmlns:a16="http://schemas.microsoft.com/office/drawing/2014/main" id="{F3A1AD45-9D78-4F4D-901D-64409E61B41A}"/>
-              </a:ext>
-            </a:extLst>
-          </p:cNvPr>
-          <p:cNvSpPr>
-            <a:spLocks noGrp="1"/>
-          </p:cNvSpPr>
-          <p:nvPr>
-            <p:ph idx="1"/>
-          </p:nvPr>
-        </p:nvSpPr>
-        <p:spPr/>
-        <p:txBody>
-          <a:bodyPr>
-            <a:normAutofit/>
-          </a:bodyPr>
-          <a:lstStyle/>
-          <a:p>
-            <a:r>
-              <a:rPr lang="fr-BE" sz="4400" dirty="0" err="1"/>
-              <a:t>Refactoring</a:t>
-            </a:r>
-            <a:r>
-              <a:rPr lang="fr-BE" sz="4400" dirty="0"/>
-              <a:t> de l’ASP pour isoler le code de détection de fraude</a:t>
-            </a:r>
-          </a:p>
-          <a:p>
-            <a:r>
-              <a:rPr lang="fr-BE" sz="4400" dirty="0"/>
-              <a:t>Héberger le nouveau module comme un service</a:t>
-            </a:r>
-          </a:p>
-          <a:p>
-            <a:r>
-              <a:rPr lang="fr-BE" sz="4400" dirty="0"/>
-              <a:t>Appeler le nouveau module depuis l’ASP</a:t>
-            </a:r>
-          </a:p>
-          <a:p>
-            <a:pPr lvl="1"/>
-            <a:endParaRPr lang="fr-BE" sz="3600" dirty="0"/>
-          </a:p>
-          <a:p>
-            <a:endParaRPr lang="fr-BE" sz="3200" dirty="0"/>
-          </a:p>
-        </p:txBody>
-      </p:sp>
+              <a:t>Appel externe</a:t>
+            </a:r>
+          </a:p>
+        </p:txBody>
+      </p:sp>
+      <p:sp>
+        <p:nvSpPr>
+          <p:cNvPr id="8" name="Rectangle: Rounded Corners 7">
+            <a:extLst>
+              <a:ext uri="{FF2B5EF4-FFF2-40B4-BE49-F238E27FC236}">
+                <a16:creationId xmlns:a16="http://schemas.microsoft.com/office/drawing/2014/main" id="{B5EFD6C3-0077-40EA-84EF-D638F163C2A6}"/>
+              </a:ext>
+            </a:extLst>
+          </p:cNvPr>
+          <p:cNvSpPr/>
+          <p:nvPr/>
+        </p:nvSpPr>
+        <p:spPr>
+          <a:xfrm>
+            <a:off x="748147" y="3984118"/>
+            <a:ext cx="1874980" cy="1738313"/>
+          </a:xfrm>
+          <a:prstGeom prst="roundRect">
+            <a:avLst/>
+          </a:prstGeom>
+        </p:spPr>
+        <p:style>
+          <a:lnRef idx="3">
+            <a:schemeClr val="lt1"/>
+          </a:lnRef>
+          <a:fillRef idx="1">
+            <a:schemeClr val="accent4"/>
+          </a:fillRef>
+          <a:effectRef idx="1">
+            <a:schemeClr val="accent4"/>
+          </a:effectRef>
+          <a:fontRef idx="minor">
+            <a:schemeClr val="lt1"/>
+          </a:fontRef>
+        </p:style>
+        <p:txBody>
+          <a:bodyPr rtlCol="0" anchor="ctr" anchorCtr="0"/>
+          <a:lstStyle/>
+          <a:p>
+            <a:pPr algn="ctr"/>
+            <a:r>
+              <a:rPr lang="en-GB" sz="3200" dirty="0"/>
+              <a:t>.NET</a:t>
+            </a:r>
+          </a:p>
+        </p:txBody>
+      </p:sp>
+      <p:cxnSp>
+        <p:nvCxnSpPr>
+          <p:cNvPr id="9" name="Connector: Curved 8">
+            <a:extLst>
+              <a:ext uri="{FF2B5EF4-FFF2-40B4-BE49-F238E27FC236}">
+                <a16:creationId xmlns:a16="http://schemas.microsoft.com/office/drawing/2014/main" id="{DA65838B-4AEC-44D7-B86C-E65E0E72D6DD}"/>
+              </a:ext>
+            </a:extLst>
+          </p:cNvPr>
+          <p:cNvCxnSpPr>
+            <a:cxnSpLocks/>
+            <a:stCxn id="8" idx="3"/>
+            <a:endCxn id="13" idx="1"/>
+          </p:cNvCxnSpPr>
+          <p:nvPr/>
+        </p:nvCxnSpPr>
+        <p:spPr>
+          <a:xfrm>
+            <a:off x="2623127" y="4853275"/>
+            <a:ext cx="1874976" cy="4622"/>
+          </a:xfrm>
+          <a:prstGeom prst="curvedConnector3">
+            <a:avLst>
+              <a:gd name="adj1" fmla="val 50000"/>
+            </a:avLst>
+          </a:prstGeom>
+          <a:ln w="57150">
+            <a:headEnd type="none" w="med" len="med"/>
+            <a:tailEnd type="arrow" w="med" len="med"/>
+          </a:ln>
+        </p:spPr>
+        <p:style>
+          <a:lnRef idx="3">
+            <a:schemeClr val="accent6"/>
+          </a:lnRef>
+          <a:fillRef idx="0">
+            <a:schemeClr val="accent6"/>
+          </a:fillRef>
+          <a:effectRef idx="2">
+            <a:schemeClr val="accent6"/>
+          </a:effectRef>
+          <a:fontRef idx="minor">
+            <a:schemeClr val="tx1"/>
+          </a:fontRef>
+        </p:style>
+      </p:cxnSp>
+      <p:cxnSp>
+        <p:nvCxnSpPr>
+          <p:cNvPr id="12" name="Connector: Curved 11">
+            <a:extLst>
+              <a:ext uri="{FF2B5EF4-FFF2-40B4-BE49-F238E27FC236}">
+                <a16:creationId xmlns:a16="http://schemas.microsoft.com/office/drawing/2014/main" id="{AAF417F1-7892-4EB9-95AA-7FEBA286203C}"/>
+              </a:ext>
+            </a:extLst>
+          </p:cNvPr>
+          <p:cNvCxnSpPr>
+            <a:cxnSpLocks/>
+            <a:endCxn id="4" idx="1"/>
+          </p:cNvCxnSpPr>
+          <p:nvPr/>
+        </p:nvCxnSpPr>
+        <p:spPr>
+          <a:xfrm>
+            <a:off x="0" y="2402823"/>
+            <a:ext cx="748147" cy="2"/>
+          </a:xfrm>
+          <a:prstGeom prst="curvedConnector3">
+            <a:avLst>
+              <a:gd name="adj1" fmla="val 50000"/>
+            </a:avLst>
+          </a:prstGeom>
+          <a:ln w="57150">
+            <a:headEnd type="none" w="med" len="med"/>
+            <a:tailEnd type="arrow" w="med" len="med"/>
+          </a:ln>
+        </p:spPr>
+        <p:style>
+          <a:lnRef idx="3">
+            <a:schemeClr val="accent6"/>
+          </a:lnRef>
+          <a:fillRef idx="0">
+            <a:schemeClr val="accent6"/>
+          </a:fillRef>
+          <a:effectRef idx="2">
+            <a:schemeClr val="accent6"/>
+          </a:effectRef>
+          <a:fontRef idx="minor">
+            <a:schemeClr val="tx1"/>
+          </a:fontRef>
+        </p:style>
+      </p:cxnSp>
+      <p:cxnSp>
+        <p:nvCxnSpPr>
+          <p:cNvPr id="15" name="Connector: Curved 14">
+            <a:extLst>
+              <a:ext uri="{FF2B5EF4-FFF2-40B4-BE49-F238E27FC236}">
+                <a16:creationId xmlns:a16="http://schemas.microsoft.com/office/drawing/2014/main" id="{2390333A-5A5E-4756-9AB8-588F04825466}"/>
+              </a:ext>
+            </a:extLst>
+          </p:cNvPr>
+          <p:cNvCxnSpPr>
+            <a:cxnSpLocks/>
+            <a:endCxn id="8" idx="1"/>
+          </p:cNvCxnSpPr>
+          <p:nvPr/>
+        </p:nvCxnSpPr>
+        <p:spPr>
+          <a:xfrm>
+            <a:off x="0" y="4853274"/>
+            <a:ext cx="748147" cy="1"/>
+          </a:xfrm>
+          <a:prstGeom prst="curvedConnector3">
+            <a:avLst>
+              <a:gd name="adj1" fmla="val 50000"/>
+            </a:avLst>
+          </a:prstGeom>
+          <a:ln w="57150">
+            <a:headEnd type="none" w="med" len="med"/>
+            <a:tailEnd type="arrow" w="med" len="med"/>
+          </a:ln>
+        </p:spPr>
+        <p:style>
+          <a:lnRef idx="3">
+            <a:schemeClr val="accent6"/>
+          </a:lnRef>
+          <a:fillRef idx="0">
+            <a:schemeClr val="accent6"/>
+          </a:fillRef>
+          <a:effectRef idx="2">
+            <a:schemeClr val="accent6"/>
+          </a:effectRef>
+          <a:fontRef idx="minor">
+            <a:schemeClr val="tx1"/>
+          </a:fontRef>
+        </p:style>
+      </p:cxnSp>
+      <p:sp>
+        <p:nvSpPr>
+          <p:cNvPr id="13" name="Rectangle: Rounded Corners 12">
+            <a:extLst>
+              <a:ext uri="{FF2B5EF4-FFF2-40B4-BE49-F238E27FC236}">
+                <a16:creationId xmlns:a16="http://schemas.microsoft.com/office/drawing/2014/main" id="{4446B3B0-26B7-4734-A688-F3660F57D257}"/>
+              </a:ext>
+            </a:extLst>
+          </p:cNvPr>
+          <p:cNvSpPr/>
+          <p:nvPr/>
+        </p:nvSpPr>
+        <p:spPr>
+          <a:xfrm>
+            <a:off x="4498103" y="3988740"/>
+            <a:ext cx="2066636" cy="1738313"/>
+          </a:xfrm>
+          <a:prstGeom prst="roundRect">
+            <a:avLst/>
+          </a:prstGeom>
+        </p:spPr>
+        <p:style>
+          <a:lnRef idx="3">
+            <a:schemeClr val="lt1"/>
+          </a:lnRef>
+          <a:fillRef idx="1">
+            <a:schemeClr val="accent1"/>
+          </a:fillRef>
+          <a:effectRef idx="1">
+            <a:schemeClr val="accent1"/>
+          </a:effectRef>
+          <a:fontRef idx="minor">
+            <a:schemeClr val="lt1"/>
+          </a:fontRef>
+        </p:style>
+        <p:txBody>
+          <a:bodyPr rtlCol="0" anchor="ctr" anchorCtr="0"/>
+          <a:lstStyle/>
+          <a:p>
+            <a:pPr algn="ctr"/>
+            <a:r>
+              <a:rPr lang="en-GB" sz="3200" dirty="0"/>
+              <a:t>Déco.</a:t>
+            </a:r>
+          </a:p>
+        </p:txBody>
+      </p:sp>
+      <p:cxnSp>
+        <p:nvCxnSpPr>
+          <p:cNvPr id="14" name="Connector: Curved 13">
+            <a:extLst>
+              <a:ext uri="{FF2B5EF4-FFF2-40B4-BE49-F238E27FC236}">
+                <a16:creationId xmlns:a16="http://schemas.microsoft.com/office/drawing/2014/main" id="{7993E8D2-DDB2-4047-BDB5-A663E9DDD92A}"/>
+              </a:ext>
+            </a:extLst>
+          </p:cNvPr>
+          <p:cNvCxnSpPr>
+            <a:cxnSpLocks/>
+            <a:stCxn id="13" idx="0"/>
+            <a:endCxn id="6" idx="2"/>
+          </p:cNvCxnSpPr>
+          <p:nvPr/>
+        </p:nvCxnSpPr>
+        <p:spPr>
+          <a:xfrm rot="5400000" flipH="1" flipV="1">
+            <a:off x="5178818" y="3624585"/>
+            <a:ext cx="716759" cy="11553"/>
+          </a:xfrm>
+          <a:prstGeom prst="curvedConnector3">
+            <a:avLst>
+              <a:gd name="adj1" fmla="val 50000"/>
+            </a:avLst>
+          </a:prstGeom>
+          <a:ln w="57150">
+            <a:headEnd type="none" w="med" len="med"/>
+            <a:tailEnd type="arrow" w="med" len="med"/>
+          </a:ln>
+        </p:spPr>
+        <p:style>
+          <a:lnRef idx="3">
+            <a:schemeClr val="accent6"/>
+          </a:lnRef>
+          <a:fillRef idx="0">
+            <a:schemeClr val="accent6"/>
+          </a:fillRef>
+          <a:effectRef idx="2">
+            <a:schemeClr val="accent6"/>
+          </a:effectRef>
+          <a:fontRef idx="minor">
+            <a:schemeClr val="tx1"/>
+          </a:fontRef>
+        </p:style>
+      </p:cxnSp>
     </p:spTree>
     <p:extLst>
       <p:ext uri="{BB962C8B-B14F-4D97-AF65-F5344CB8AC3E}">
-        <p14:creationId xmlns:p14="http://schemas.microsoft.com/office/powerpoint/2010/main" val="3073750148"/>
-      </p:ext>
-    </p:extLst>
-  </p:cSld>
-  <p:clrMapOvr>
-    <a:masterClrMapping/>
-  </p:clrMapOvr>
-</p:sld>
-</file>
-
-<file path=ppt/slides/slide8.xml><?xml version="1.0" encoding="utf-8"?>
-<p:sld xmlns:a="http://schemas.openxmlformats.org/drawingml/2006/main" xmlns:r="http://schemas.openxmlformats.org/officeDocument/2006/relationships" xmlns:p="http://schemas.openxmlformats.org/presentationml/2006/main">
-  <p:cSld>
-    <p:spTree>
-      <p:nvGrpSpPr>
-        <p:cNvPr id="1" name=""/>
-        <p:cNvGrpSpPr/>
-        <p:nvPr/>
-      </p:nvGrpSpPr>
-      <p:grpSpPr>
-        <a:xfrm>
-          <a:off x="0" y="0"/>
-          <a:ext cx="0" cy="0"/>
-          <a:chOff x="0" y="0"/>
-          <a:chExt cx="0" cy="0"/>
-        </a:xfrm>
-      </p:grpSpPr>
-      <p:sp>
-        <p:nvSpPr>
-          <p:cNvPr id="2" name="Title 1">
-            <a:extLst>
-              <a:ext uri="{FF2B5EF4-FFF2-40B4-BE49-F238E27FC236}">
-                <a16:creationId xmlns:a16="http://schemas.microsoft.com/office/drawing/2014/main" id="{C62024BB-705D-4B40-9210-BD05C34BED5C}"/>
-              </a:ext>
-            </a:extLst>
-          </p:cNvPr>
-          <p:cNvSpPr>
-            <a:spLocks noGrp="1"/>
-          </p:cNvSpPr>
-          <p:nvPr>
-            <p:ph type="title"/>
-          </p:nvPr>
-        </p:nvSpPr>
-        <p:spPr/>
-        <p:txBody>
-          <a:bodyPr>
-            <a:normAutofit/>
-          </a:bodyPr>
-          <a:lstStyle/>
-          <a:p>
-            <a:pPr algn="ctr"/>
-            <a:r>
-              <a:rPr lang="fr-BE" sz="6000" dirty="0"/>
-              <a:t>La migration, comment?</a:t>
-            </a:r>
-          </a:p>
-        </p:txBody>
-      </p:sp>
-      <p:sp>
-        <p:nvSpPr>
-          <p:cNvPr id="3" name="Content Placeholder 2">
-            <a:extLst>
-              <a:ext uri="{FF2B5EF4-FFF2-40B4-BE49-F238E27FC236}">
-                <a16:creationId xmlns:a16="http://schemas.microsoft.com/office/drawing/2014/main" id="{F3A1AD45-9D78-4F4D-901D-64409E61B41A}"/>
-              </a:ext>
-            </a:extLst>
-          </p:cNvPr>
-          <p:cNvSpPr>
-            <a:spLocks noGrp="1"/>
-          </p:cNvSpPr>
-          <p:nvPr>
-            <p:ph idx="1"/>
-          </p:nvPr>
-        </p:nvSpPr>
-        <p:spPr/>
-        <p:txBody>
-          <a:bodyPr>
-            <a:normAutofit/>
-          </a:bodyPr>
-          <a:lstStyle/>
-          <a:p>
-            <a:r>
-              <a:rPr lang="fr-BE" sz="4400" dirty="0" err="1"/>
-              <a:t>Strangler</a:t>
-            </a:r>
-            <a:r>
-              <a:rPr lang="fr-BE" sz="4400" dirty="0"/>
-              <a:t> Pattern</a:t>
-            </a:r>
-            <a:endParaRPr lang="fr-BE" sz="3600" dirty="0"/>
-          </a:p>
-          <a:p>
-            <a:endParaRPr lang="fr-BE" sz="3200" dirty="0"/>
-          </a:p>
-        </p:txBody>
-      </p:sp>
-    </p:spTree>
-    <p:extLst>
-      <p:ext uri="{BB962C8B-B14F-4D97-AF65-F5344CB8AC3E}">
-        <p14:creationId xmlns:p14="http://schemas.microsoft.com/office/powerpoint/2010/main" val="2111317821"/>
-      </p:ext>
-    </p:extLst>
-  </p:cSld>
-  <p:clrMapOvr>
-    <a:masterClrMapping/>
-  </p:clrMapOvr>
-</p:sld>
-</file>
-
-<file path=ppt/slides/slide9.xml><?xml version="1.0" encoding="utf-8"?>
-<p:sld xmlns:a="http://schemas.openxmlformats.org/drawingml/2006/main" xmlns:r="http://schemas.openxmlformats.org/officeDocument/2006/relationships" xmlns:p="http://schemas.openxmlformats.org/presentationml/2006/main">
-  <p:cSld>
-    <p:spTree>
-      <p:nvGrpSpPr>
-        <p:cNvPr id="1" name=""/>
-        <p:cNvGrpSpPr/>
-        <p:nvPr/>
-      </p:nvGrpSpPr>
-      <p:grpSpPr>
-        <a:xfrm>
-          <a:off x="0" y="0"/>
-          <a:ext cx="0" cy="0"/>
-          <a:chOff x="0" y="0"/>
-          <a:chExt cx="0" cy="0"/>
-        </a:xfrm>
-      </p:grpSpPr>
-      <p:sp>
-        <p:nvSpPr>
-          <p:cNvPr id="2" name="Title 1">
-            <a:extLst>
-              <a:ext uri="{FF2B5EF4-FFF2-40B4-BE49-F238E27FC236}">
-                <a16:creationId xmlns:a16="http://schemas.microsoft.com/office/drawing/2014/main" id="{C62024BB-705D-4B40-9210-BD05C34BED5C}"/>
-              </a:ext>
-            </a:extLst>
-          </p:cNvPr>
-          <p:cNvSpPr>
-            <a:spLocks noGrp="1"/>
-          </p:cNvSpPr>
-          <p:nvPr>
-            <p:ph type="title"/>
-          </p:nvPr>
-        </p:nvSpPr>
-        <p:spPr/>
-        <p:txBody>
-          <a:bodyPr>
-            <a:normAutofit/>
-          </a:bodyPr>
-          <a:lstStyle/>
-          <a:p>
-            <a:pPr algn="ctr"/>
-            <a:r>
-              <a:rPr lang="fr-BE" sz="6000" dirty="0"/>
-              <a:t>La migration, comment?</a:t>
-            </a:r>
-          </a:p>
-        </p:txBody>
-      </p:sp>
-      <p:sp>
-        <p:nvSpPr>
-          <p:cNvPr id="3" name="Content Placeholder 2">
-            <a:extLst>
-              <a:ext uri="{FF2B5EF4-FFF2-40B4-BE49-F238E27FC236}">
-                <a16:creationId xmlns:a16="http://schemas.microsoft.com/office/drawing/2014/main" id="{F3A1AD45-9D78-4F4D-901D-64409E61B41A}"/>
-              </a:ext>
-            </a:extLst>
-          </p:cNvPr>
-          <p:cNvSpPr>
-            <a:spLocks noGrp="1"/>
-          </p:cNvSpPr>
-          <p:nvPr>
-            <p:ph idx="1"/>
-          </p:nvPr>
-        </p:nvSpPr>
-        <p:spPr/>
-        <p:txBody>
-          <a:bodyPr>
-            <a:normAutofit/>
-          </a:bodyPr>
-          <a:lstStyle/>
-          <a:p>
-            <a:r>
-              <a:rPr lang="fr-BE" sz="4400" dirty="0" err="1"/>
-              <a:t>Dark</a:t>
-            </a:r>
-            <a:r>
-              <a:rPr lang="fr-BE" sz="4400" dirty="0"/>
-              <a:t> Launch</a:t>
-            </a:r>
-          </a:p>
-          <a:p>
-            <a:pPr lvl="1"/>
-            <a:r>
-              <a:rPr lang="fr-BE" sz="4000" dirty="0"/>
-              <a:t>Exécution en parallèle</a:t>
-            </a:r>
-          </a:p>
-          <a:p>
-            <a:pPr lvl="1"/>
-            <a:r>
-              <a:rPr lang="fr-BE" sz="4000" dirty="0"/>
-              <a:t>Comparaison des résultats</a:t>
-            </a:r>
-          </a:p>
-          <a:p>
-            <a:pPr lvl="1"/>
-            <a:r>
-              <a:rPr lang="fr-BE" sz="4000" dirty="0"/>
-              <a:t>Surveillance des performances</a:t>
-            </a:r>
-          </a:p>
-          <a:p>
-            <a:endParaRPr lang="fr-BE" sz="3600" dirty="0"/>
-          </a:p>
-          <a:p>
-            <a:endParaRPr lang="fr-BE" sz="3200" dirty="0"/>
-          </a:p>
-        </p:txBody>
-      </p:sp>
-    </p:spTree>
-    <p:extLst>
-      <p:ext uri="{BB962C8B-B14F-4D97-AF65-F5344CB8AC3E}">
-        <p14:creationId xmlns:p14="http://schemas.microsoft.com/office/powerpoint/2010/main" val="2165104223"/>
+        <p14:creationId xmlns:p14="http://schemas.microsoft.com/office/powerpoint/2010/main" val="3933034330"/>
       </p:ext>
     </p:extLst>
   </p:cSld>
